--- a/LaTeX_documentation/WorkFlowSchematic.pptx
+++ b/LaTeX_documentation/WorkFlowSchematic.pptx
@@ -2,12 +2,12 @@
 <file path=ppt/presentation.xml><?xml version="1.0" encoding="utf-8"?>
 <p:presentation xmlns:a="http://schemas.openxmlformats.org/drawingml/2006/main" xmlns:r="http://schemas.openxmlformats.org/officeDocument/2006/relationships" xmlns:p="http://schemas.openxmlformats.org/presentationml/2006/main" saveSubsetFonts="1">
   <p:sldMasterIdLst>
-    <p:sldMasterId id="2147483660" r:id="rId1"/>
+    <p:sldMasterId id="2147483672" r:id="rId1"/>
   </p:sldMasterIdLst>
   <p:sldIdLst>
     <p:sldId id="256" r:id="rId2"/>
   </p:sldIdLst>
-  <p:sldSz cx="32918400" cy="32918400"/>
+  <p:sldSz cx="32918400" cy="16459200"/>
   <p:notesSz cx="6858000" cy="9144000"/>
   <p:defaultTextStyle>
     <a:defPPr>
@@ -107,7 +107,7 @@
   <p:extLst>
     <p:ext uri="{EFAFB233-063F-42B5-8137-9DF3F51BA10A}">
       <p15:sldGuideLst xmlns:p15="http://schemas.microsoft.com/office/powerpoint/2012/main">
-        <p15:guide id="1" orient="horz" pos="10368" userDrawn="1">
+        <p15:guide id="1" orient="horz" pos="5184" userDrawn="1">
           <p15:clr>
             <a:srgbClr val="A4A3A4"/>
           </p15:clr>
@@ -152,15 +152,15 @@
         </p:nvSpPr>
         <p:spPr>
           <a:xfrm>
-            <a:off x="2468880" y="5387342"/>
-            <a:ext cx="27980640" cy="11460480"/>
+            <a:off x="4114800" y="2693671"/>
+            <a:ext cx="24688800" cy="5730240"/>
           </a:xfrm>
         </p:spPr>
         <p:txBody>
           <a:bodyPr anchor="b"/>
           <a:lstStyle>
             <a:lvl1pPr algn="ctr">
-              <a:defRPr sz="21600"/>
+              <a:defRPr sz="14400"/>
             </a:lvl1pPr>
           </a:lstStyle>
           <a:p>
@@ -184,8 +184,8 @@
         </p:nvSpPr>
         <p:spPr>
           <a:xfrm>
-            <a:off x="4114800" y="17289782"/>
-            <a:ext cx="24688800" cy="7947658"/>
+            <a:off x="4114800" y="8644891"/>
+            <a:ext cx="24688800" cy="3973829"/>
           </a:xfrm>
         </p:spPr>
         <p:txBody>
@@ -193,39 +193,39 @@
           <a:lstStyle>
             <a:lvl1pPr marL="0" indent="0" algn="ctr">
               <a:buNone/>
-              <a:defRPr sz="8640"/>
+              <a:defRPr sz="5760"/>
             </a:lvl1pPr>
-            <a:lvl2pPr marL="1645920" indent="0" algn="ctr">
-              <a:buNone/>
-              <a:defRPr sz="7200"/>
+            <a:lvl2pPr marL="1097280" indent="0" algn="ctr">
+              <a:buNone/>
+              <a:defRPr sz="4800"/>
             </a:lvl2pPr>
-            <a:lvl3pPr marL="3291840" indent="0" algn="ctr">
-              <a:buNone/>
-              <a:defRPr sz="6480"/>
+            <a:lvl3pPr marL="2194560" indent="0" algn="ctr">
+              <a:buNone/>
+              <a:defRPr sz="4320"/>
             </a:lvl3pPr>
-            <a:lvl4pPr marL="4937760" indent="0" algn="ctr">
-              <a:buNone/>
-              <a:defRPr sz="5760"/>
+            <a:lvl4pPr marL="3291840" indent="0" algn="ctr">
+              <a:buNone/>
+              <a:defRPr sz="3840"/>
             </a:lvl4pPr>
-            <a:lvl5pPr marL="6583680" indent="0" algn="ctr">
-              <a:buNone/>
-              <a:defRPr sz="5760"/>
+            <a:lvl5pPr marL="4389120" indent="0" algn="ctr">
+              <a:buNone/>
+              <a:defRPr sz="3840"/>
             </a:lvl5pPr>
-            <a:lvl6pPr marL="8229600" indent="0" algn="ctr">
-              <a:buNone/>
-              <a:defRPr sz="5760"/>
+            <a:lvl6pPr marL="5486400" indent="0" algn="ctr">
+              <a:buNone/>
+              <a:defRPr sz="3840"/>
             </a:lvl6pPr>
-            <a:lvl7pPr marL="9875520" indent="0" algn="ctr">
-              <a:buNone/>
-              <a:defRPr sz="5760"/>
+            <a:lvl7pPr marL="6583680" indent="0" algn="ctr">
+              <a:buNone/>
+              <a:defRPr sz="3840"/>
             </a:lvl7pPr>
-            <a:lvl8pPr marL="11521440" indent="0" algn="ctr">
-              <a:buNone/>
-              <a:defRPr sz="5760"/>
+            <a:lvl8pPr marL="7680960" indent="0" algn="ctr">
+              <a:buNone/>
+              <a:defRPr sz="3840"/>
             </a:lvl8pPr>
-            <a:lvl9pPr marL="13167360" indent="0" algn="ctr">
-              <a:buNone/>
-              <a:defRPr sz="5760"/>
+            <a:lvl9pPr marL="8778240" indent="0" algn="ctr">
+              <a:buNone/>
+              <a:defRPr sz="3840"/>
             </a:lvl9pPr>
           </a:lstStyle>
           <a:p>
@@ -254,7 +254,7 @@
           <a:p>
             <a:fld id="{D02FEDC3-3BB2-49A6-BF32-B87A34325CFE}" type="datetimeFigureOut">
               <a:rPr lang="en-US" smtClean="0"/>
-              <a:t>12/15/2018</a:t>
+              <a:t>12/17/2018</a:t>
             </a:fld>
             <a:endParaRPr lang="en-US"/>
           </a:p>
@@ -305,7 +305,7 @@
     </p:spTree>
     <p:extLst>
       <p:ext uri="{BB962C8B-B14F-4D97-AF65-F5344CB8AC3E}">
-        <p14:creationId xmlns:p14="http://schemas.microsoft.com/office/powerpoint/2010/main" val="64713900"/>
+        <p14:creationId xmlns:p14="http://schemas.microsoft.com/office/powerpoint/2010/main" val="2877310110"/>
       </p:ext>
     </p:extLst>
   </p:cSld>
@@ -424,7 +424,7 @@
           <a:p>
             <a:fld id="{D02FEDC3-3BB2-49A6-BF32-B87A34325CFE}" type="datetimeFigureOut">
               <a:rPr lang="en-US" smtClean="0"/>
-              <a:t>12/15/2018</a:t>
+              <a:t>12/17/2018</a:t>
             </a:fld>
             <a:endParaRPr lang="en-US"/>
           </a:p>
@@ -475,7 +475,7 @@
     </p:spTree>
     <p:extLst>
       <p:ext uri="{BB962C8B-B14F-4D97-AF65-F5344CB8AC3E}">
-        <p14:creationId xmlns:p14="http://schemas.microsoft.com/office/powerpoint/2010/main" val="3625006548"/>
+        <p14:creationId xmlns:p14="http://schemas.microsoft.com/office/powerpoint/2010/main" val="2787891921"/>
       </p:ext>
     </p:extLst>
   </p:cSld>
@@ -514,8 +514,8 @@
         </p:nvSpPr>
         <p:spPr>
           <a:xfrm>
-            <a:off x="23557232" y="1752600"/>
-            <a:ext cx="7098030" cy="27896822"/>
+            <a:off x="23557230" y="876300"/>
+            <a:ext cx="7098030" cy="13948411"/>
           </a:xfrm>
         </p:spPr>
         <p:txBody>
@@ -542,8 +542,8 @@
         </p:nvSpPr>
         <p:spPr>
           <a:xfrm>
-            <a:off x="2263142" y="1752600"/>
-            <a:ext cx="20882610" cy="27896822"/>
+            <a:off x="2263140" y="876300"/>
+            <a:ext cx="20882610" cy="13948411"/>
           </a:xfrm>
         </p:spPr>
         <p:txBody>
@@ -604,7 +604,7 @@
           <a:p>
             <a:fld id="{D02FEDC3-3BB2-49A6-BF32-B87A34325CFE}" type="datetimeFigureOut">
               <a:rPr lang="en-US" smtClean="0"/>
-              <a:t>12/15/2018</a:t>
+              <a:t>12/17/2018</a:t>
             </a:fld>
             <a:endParaRPr lang="en-US"/>
           </a:p>
@@ -655,7 +655,7 @@
     </p:spTree>
     <p:extLst>
       <p:ext uri="{BB962C8B-B14F-4D97-AF65-F5344CB8AC3E}">
-        <p14:creationId xmlns:p14="http://schemas.microsoft.com/office/powerpoint/2010/main" val="342495484"/>
+        <p14:creationId xmlns:p14="http://schemas.microsoft.com/office/powerpoint/2010/main" val="2158757229"/>
       </p:ext>
     </p:extLst>
   </p:cSld>
@@ -774,7 +774,7 @@
           <a:p>
             <a:fld id="{D02FEDC3-3BB2-49A6-BF32-B87A34325CFE}" type="datetimeFigureOut">
               <a:rPr lang="en-US" smtClean="0"/>
-              <a:t>12/15/2018</a:t>
+              <a:t>12/17/2018</a:t>
             </a:fld>
             <a:endParaRPr lang="en-US"/>
           </a:p>
@@ -825,7 +825,7 @@
     </p:spTree>
     <p:extLst>
       <p:ext uri="{BB962C8B-B14F-4D97-AF65-F5344CB8AC3E}">
-        <p14:creationId xmlns:p14="http://schemas.microsoft.com/office/powerpoint/2010/main" val="1728551692"/>
+        <p14:creationId xmlns:p14="http://schemas.microsoft.com/office/powerpoint/2010/main" val="2140362306"/>
       </p:ext>
     </p:extLst>
   </p:cSld>
@@ -864,15 +864,15 @@
         </p:nvSpPr>
         <p:spPr>
           <a:xfrm>
-            <a:off x="2245997" y="8206749"/>
-            <a:ext cx="28392120" cy="13693138"/>
+            <a:off x="2245995" y="4103372"/>
+            <a:ext cx="28392120" cy="6846569"/>
           </a:xfrm>
         </p:spPr>
         <p:txBody>
           <a:bodyPr anchor="b"/>
           <a:lstStyle>
             <a:lvl1pPr>
-              <a:defRPr sz="21600"/>
+              <a:defRPr sz="14400"/>
             </a:lvl1pPr>
           </a:lstStyle>
           <a:p>
@@ -896,8 +896,8 @@
         </p:nvSpPr>
         <p:spPr>
           <a:xfrm>
-            <a:off x="2245997" y="22029429"/>
-            <a:ext cx="28392120" cy="7200898"/>
+            <a:off x="2245995" y="11014712"/>
+            <a:ext cx="28392120" cy="3600449"/>
           </a:xfrm>
         </p:spPr>
         <p:txBody>
@@ -905,15 +905,17 @@
           <a:lstStyle>
             <a:lvl1pPr marL="0" indent="0">
               <a:buNone/>
-              <a:defRPr sz="8640">
+              <a:defRPr sz="5760">
                 <a:solidFill>
-                  <a:schemeClr val="tx1"/>
+                  <a:schemeClr val="tx1">
+                    <a:tint val="75000"/>
+                  </a:schemeClr>
                 </a:solidFill>
               </a:defRPr>
             </a:lvl1pPr>
-            <a:lvl2pPr marL="1645920" indent="0">
-              <a:buNone/>
-              <a:defRPr sz="7200">
+            <a:lvl2pPr marL="1097280" indent="0">
+              <a:buNone/>
+              <a:defRPr sz="4800">
                 <a:solidFill>
                   <a:schemeClr val="tx1">
                     <a:tint val="75000"/>
@@ -921,9 +923,9 @@
                 </a:solidFill>
               </a:defRPr>
             </a:lvl2pPr>
-            <a:lvl3pPr marL="3291840" indent="0">
-              <a:buNone/>
-              <a:defRPr sz="6480">
+            <a:lvl3pPr marL="2194560" indent="0">
+              <a:buNone/>
+              <a:defRPr sz="4320">
                 <a:solidFill>
                   <a:schemeClr val="tx1">
                     <a:tint val="75000"/>
@@ -931,9 +933,9 @@
                 </a:solidFill>
               </a:defRPr>
             </a:lvl3pPr>
-            <a:lvl4pPr marL="4937760" indent="0">
-              <a:buNone/>
-              <a:defRPr sz="5760">
+            <a:lvl4pPr marL="3291840" indent="0">
+              <a:buNone/>
+              <a:defRPr sz="3840">
                 <a:solidFill>
                   <a:schemeClr val="tx1">
                     <a:tint val="75000"/>
@@ -941,9 +943,9 @@
                 </a:solidFill>
               </a:defRPr>
             </a:lvl4pPr>
-            <a:lvl5pPr marL="6583680" indent="0">
-              <a:buNone/>
-              <a:defRPr sz="5760">
+            <a:lvl5pPr marL="4389120" indent="0">
+              <a:buNone/>
+              <a:defRPr sz="3840">
                 <a:solidFill>
                   <a:schemeClr val="tx1">
                     <a:tint val="75000"/>
@@ -951,9 +953,9 @@
                 </a:solidFill>
               </a:defRPr>
             </a:lvl5pPr>
-            <a:lvl6pPr marL="8229600" indent="0">
-              <a:buNone/>
-              <a:defRPr sz="5760">
+            <a:lvl6pPr marL="5486400" indent="0">
+              <a:buNone/>
+              <a:defRPr sz="3840">
                 <a:solidFill>
                   <a:schemeClr val="tx1">
                     <a:tint val="75000"/>
@@ -961,9 +963,9 @@
                 </a:solidFill>
               </a:defRPr>
             </a:lvl6pPr>
-            <a:lvl7pPr marL="9875520" indent="0">
-              <a:buNone/>
-              <a:defRPr sz="5760">
+            <a:lvl7pPr marL="6583680" indent="0">
+              <a:buNone/>
+              <a:defRPr sz="3840">
                 <a:solidFill>
                   <a:schemeClr val="tx1">
                     <a:tint val="75000"/>
@@ -971,9 +973,9 @@
                 </a:solidFill>
               </a:defRPr>
             </a:lvl7pPr>
-            <a:lvl8pPr marL="11521440" indent="0">
-              <a:buNone/>
-              <a:defRPr sz="5760">
+            <a:lvl8pPr marL="7680960" indent="0">
+              <a:buNone/>
+              <a:defRPr sz="3840">
                 <a:solidFill>
                   <a:schemeClr val="tx1">
                     <a:tint val="75000"/>
@@ -981,9 +983,9 @@
                 </a:solidFill>
               </a:defRPr>
             </a:lvl8pPr>
-            <a:lvl9pPr marL="13167360" indent="0">
-              <a:buNone/>
-              <a:defRPr sz="5760">
+            <a:lvl9pPr marL="8778240" indent="0">
+              <a:buNone/>
+              <a:defRPr sz="3840">
                 <a:solidFill>
                   <a:schemeClr val="tx1">
                     <a:tint val="75000"/>
@@ -1018,7 +1020,7 @@
           <a:p>
             <a:fld id="{D02FEDC3-3BB2-49A6-BF32-B87A34325CFE}" type="datetimeFigureOut">
               <a:rPr lang="en-US" smtClean="0"/>
-              <a:t>12/15/2018</a:t>
+              <a:t>12/17/2018</a:t>
             </a:fld>
             <a:endParaRPr lang="en-US"/>
           </a:p>
@@ -1069,7 +1071,7 @@
     </p:spTree>
     <p:extLst>
       <p:ext uri="{BB962C8B-B14F-4D97-AF65-F5344CB8AC3E}">
-        <p14:creationId xmlns:p14="http://schemas.microsoft.com/office/powerpoint/2010/main" val="1921316516"/>
+        <p14:creationId xmlns:p14="http://schemas.microsoft.com/office/powerpoint/2010/main" val="3110909042"/>
       </p:ext>
     </p:extLst>
   </p:cSld>
@@ -1131,8 +1133,8 @@
         </p:nvSpPr>
         <p:spPr>
           <a:xfrm>
-            <a:off x="2263140" y="8763000"/>
-            <a:ext cx="13990320" cy="20886422"/>
+            <a:off x="2263140" y="4381500"/>
+            <a:ext cx="13990320" cy="10443211"/>
           </a:xfrm>
         </p:spPr>
         <p:txBody>
@@ -1188,8 +1190,8 @@
         </p:nvSpPr>
         <p:spPr>
           <a:xfrm>
-            <a:off x="16664940" y="8763000"/>
-            <a:ext cx="13990320" cy="20886422"/>
+            <a:off x="16664940" y="4381500"/>
+            <a:ext cx="13990320" cy="10443211"/>
           </a:xfrm>
         </p:spPr>
         <p:txBody>
@@ -1250,7 +1252,7 @@
           <a:p>
             <a:fld id="{D02FEDC3-3BB2-49A6-BF32-B87A34325CFE}" type="datetimeFigureOut">
               <a:rPr lang="en-US" smtClean="0"/>
-              <a:t>12/15/2018</a:t>
+              <a:t>12/17/2018</a:t>
             </a:fld>
             <a:endParaRPr lang="en-US"/>
           </a:p>
@@ -1301,7 +1303,7 @@
     </p:spTree>
     <p:extLst>
       <p:ext uri="{BB962C8B-B14F-4D97-AF65-F5344CB8AC3E}">
-        <p14:creationId xmlns:p14="http://schemas.microsoft.com/office/powerpoint/2010/main" val="1563816254"/>
+        <p14:creationId xmlns:p14="http://schemas.microsoft.com/office/powerpoint/2010/main" val="4152313886"/>
       </p:ext>
     </p:extLst>
   </p:cSld>
@@ -1340,8 +1342,8 @@
         </p:nvSpPr>
         <p:spPr>
           <a:xfrm>
-            <a:off x="2267428" y="1752607"/>
-            <a:ext cx="28392120" cy="6362702"/>
+            <a:off x="2267428" y="876301"/>
+            <a:ext cx="28392120" cy="3181351"/>
           </a:xfrm>
         </p:spPr>
         <p:txBody>
@@ -1368,8 +1370,8 @@
         </p:nvSpPr>
         <p:spPr>
           <a:xfrm>
-            <a:off x="2267431" y="8069582"/>
-            <a:ext cx="13926024" cy="3954778"/>
+            <a:off x="2267429" y="4034791"/>
+            <a:ext cx="13926025" cy="1977389"/>
           </a:xfrm>
         </p:spPr>
         <p:txBody>
@@ -1377,39 +1379,39 @@
           <a:lstStyle>
             <a:lvl1pPr marL="0" indent="0">
               <a:buNone/>
-              <a:defRPr sz="8640" b="1"/>
+              <a:defRPr sz="5760" b="1"/>
             </a:lvl1pPr>
-            <a:lvl2pPr marL="1645920" indent="0">
-              <a:buNone/>
-              <a:defRPr sz="7200" b="1"/>
+            <a:lvl2pPr marL="1097280" indent="0">
+              <a:buNone/>
+              <a:defRPr sz="4800" b="1"/>
             </a:lvl2pPr>
-            <a:lvl3pPr marL="3291840" indent="0">
-              <a:buNone/>
-              <a:defRPr sz="6480" b="1"/>
+            <a:lvl3pPr marL="2194560" indent="0">
+              <a:buNone/>
+              <a:defRPr sz="4320" b="1"/>
             </a:lvl3pPr>
-            <a:lvl4pPr marL="4937760" indent="0">
-              <a:buNone/>
-              <a:defRPr sz="5760" b="1"/>
+            <a:lvl4pPr marL="3291840" indent="0">
+              <a:buNone/>
+              <a:defRPr sz="3840" b="1"/>
             </a:lvl4pPr>
-            <a:lvl5pPr marL="6583680" indent="0">
-              <a:buNone/>
-              <a:defRPr sz="5760" b="1"/>
+            <a:lvl5pPr marL="4389120" indent="0">
+              <a:buNone/>
+              <a:defRPr sz="3840" b="1"/>
             </a:lvl5pPr>
-            <a:lvl6pPr marL="8229600" indent="0">
-              <a:buNone/>
-              <a:defRPr sz="5760" b="1"/>
+            <a:lvl6pPr marL="5486400" indent="0">
+              <a:buNone/>
+              <a:defRPr sz="3840" b="1"/>
             </a:lvl6pPr>
-            <a:lvl7pPr marL="9875520" indent="0">
-              <a:buNone/>
-              <a:defRPr sz="5760" b="1"/>
+            <a:lvl7pPr marL="6583680" indent="0">
+              <a:buNone/>
+              <a:defRPr sz="3840" b="1"/>
             </a:lvl7pPr>
-            <a:lvl8pPr marL="11521440" indent="0">
-              <a:buNone/>
-              <a:defRPr sz="5760" b="1"/>
+            <a:lvl8pPr marL="7680960" indent="0">
+              <a:buNone/>
+              <a:defRPr sz="3840" b="1"/>
             </a:lvl8pPr>
-            <a:lvl9pPr marL="13167360" indent="0">
-              <a:buNone/>
-              <a:defRPr sz="5760" b="1"/>
+            <a:lvl9pPr marL="8778240" indent="0">
+              <a:buNone/>
+              <a:defRPr sz="3840" b="1"/>
             </a:lvl9pPr>
           </a:lstStyle>
           <a:p>
@@ -1433,8 +1435,8 @@
         </p:nvSpPr>
         <p:spPr>
           <a:xfrm>
-            <a:off x="2267431" y="12024360"/>
-            <a:ext cx="13926024" cy="17686022"/>
+            <a:off x="2267429" y="6012180"/>
+            <a:ext cx="13926025" cy="8843011"/>
           </a:xfrm>
         </p:spPr>
         <p:txBody>
@@ -1490,8 +1492,8 @@
         </p:nvSpPr>
         <p:spPr>
           <a:xfrm>
-            <a:off x="16664942" y="8069582"/>
-            <a:ext cx="13994608" cy="3954778"/>
+            <a:off x="16664940" y="4034791"/>
+            <a:ext cx="13994608" cy="1977389"/>
           </a:xfrm>
         </p:spPr>
         <p:txBody>
@@ -1499,39 +1501,39 @@
           <a:lstStyle>
             <a:lvl1pPr marL="0" indent="0">
               <a:buNone/>
-              <a:defRPr sz="8640" b="1"/>
+              <a:defRPr sz="5760" b="1"/>
             </a:lvl1pPr>
-            <a:lvl2pPr marL="1645920" indent="0">
-              <a:buNone/>
-              <a:defRPr sz="7200" b="1"/>
+            <a:lvl2pPr marL="1097280" indent="0">
+              <a:buNone/>
+              <a:defRPr sz="4800" b="1"/>
             </a:lvl2pPr>
-            <a:lvl3pPr marL="3291840" indent="0">
-              <a:buNone/>
-              <a:defRPr sz="6480" b="1"/>
+            <a:lvl3pPr marL="2194560" indent="0">
+              <a:buNone/>
+              <a:defRPr sz="4320" b="1"/>
             </a:lvl3pPr>
-            <a:lvl4pPr marL="4937760" indent="0">
-              <a:buNone/>
-              <a:defRPr sz="5760" b="1"/>
+            <a:lvl4pPr marL="3291840" indent="0">
+              <a:buNone/>
+              <a:defRPr sz="3840" b="1"/>
             </a:lvl4pPr>
-            <a:lvl5pPr marL="6583680" indent="0">
-              <a:buNone/>
-              <a:defRPr sz="5760" b="1"/>
+            <a:lvl5pPr marL="4389120" indent="0">
+              <a:buNone/>
+              <a:defRPr sz="3840" b="1"/>
             </a:lvl5pPr>
-            <a:lvl6pPr marL="8229600" indent="0">
-              <a:buNone/>
-              <a:defRPr sz="5760" b="1"/>
+            <a:lvl6pPr marL="5486400" indent="0">
+              <a:buNone/>
+              <a:defRPr sz="3840" b="1"/>
             </a:lvl6pPr>
-            <a:lvl7pPr marL="9875520" indent="0">
-              <a:buNone/>
-              <a:defRPr sz="5760" b="1"/>
+            <a:lvl7pPr marL="6583680" indent="0">
+              <a:buNone/>
+              <a:defRPr sz="3840" b="1"/>
             </a:lvl7pPr>
-            <a:lvl8pPr marL="11521440" indent="0">
-              <a:buNone/>
-              <a:defRPr sz="5760" b="1"/>
+            <a:lvl8pPr marL="7680960" indent="0">
+              <a:buNone/>
+              <a:defRPr sz="3840" b="1"/>
             </a:lvl8pPr>
-            <a:lvl9pPr marL="13167360" indent="0">
-              <a:buNone/>
-              <a:defRPr sz="5760" b="1"/>
+            <a:lvl9pPr marL="8778240" indent="0">
+              <a:buNone/>
+              <a:defRPr sz="3840" b="1"/>
             </a:lvl9pPr>
           </a:lstStyle>
           <a:p>
@@ -1555,8 +1557,8 @@
         </p:nvSpPr>
         <p:spPr>
           <a:xfrm>
-            <a:off x="16664942" y="12024360"/>
-            <a:ext cx="13994608" cy="17686022"/>
+            <a:off x="16664940" y="6012180"/>
+            <a:ext cx="13994608" cy="8843011"/>
           </a:xfrm>
         </p:spPr>
         <p:txBody>
@@ -1617,7 +1619,7 @@
           <a:p>
             <a:fld id="{D02FEDC3-3BB2-49A6-BF32-B87A34325CFE}" type="datetimeFigureOut">
               <a:rPr lang="en-US" smtClean="0"/>
-              <a:t>12/15/2018</a:t>
+              <a:t>12/17/2018</a:t>
             </a:fld>
             <a:endParaRPr lang="en-US"/>
           </a:p>
@@ -1668,7 +1670,7 @@
     </p:spTree>
     <p:extLst>
       <p:ext uri="{BB962C8B-B14F-4D97-AF65-F5344CB8AC3E}">
-        <p14:creationId xmlns:p14="http://schemas.microsoft.com/office/powerpoint/2010/main" val="1933906186"/>
+        <p14:creationId xmlns:p14="http://schemas.microsoft.com/office/powerpoint/2010/main" val="526907470"/>
       </p:ext>
     </p:extLst>
   </p:cSld>
@@ -1735,7 +1737,7 @@
           <a:p>
             <a:fld id="{D02FEDC3-3BB2-49A6-BF32-B87A34325CFE}" type="datetimeFigureOut">
               <a:rPr lang="en-US" smtClean="0"/>
-              <a:t>12/15/2018</a:t>
+              <a:t>12/17/2018</a:t>
             </a:fld>
             <a:endParaRPr lang="en-US"/>
           </a:p>
@@ -1786,7 +1788,7 @@
     </p:spTree>
     <p:extLst>
       <p:ext uri="{BB962C8B-B14F-4D97-AF65-F5344CB8AC3E}">
-        <p14:creationId xmlns:p14="http://schemas.microsoft.com/office/powerpoint/2010/main" val="377392085"/>
+        <p14:creationId xmlns:p14="http://schemas.microsoft.com/office/powerpoint/2010/main" val="2450489323"/>
       </p:ext>
     </p:extLst>
   </p:cSld>
@@ -1830,7 +1832,7 @@
           <a:p>
             <a:fld id="{D02FEDC3-3BB2-49A6-BF32-B87A34325CFE}" type="datetimeFigureOut">
               <a:rPr lang="en-US" smtClean="0"/>
-              <a:t>12/15/2018</a:t>
+              <a:t>12/17/2018</a:t>
             </a:fld>
             <a:endParaRPr lang="en-US"/>
           </a:p>
@@ -1881,7 +1883,7 @@
     </p:spTree>
     <p:extLst>
       <p:ext uri="{BB962C8B-B14F-4D97-AF65-F5344CB8AC3E}">
-        <p14:creationId xmlns:p14="http://schemas.microsoft.com/office/powerpoint/2010/main" val="462457646"/>
+        <p14:creationId xmlns:p14="http://schemas.microsoft.com/office/powerpoint/2010/main" val="739051159"/>
       </p:ext>
     </p:extLst>
   </p:cSld>
@@ -1920,15 +1922,15 @@
         </p:nvSpPr>
         <p:spPr>
           <a:xfrm>
-            <a:off x="2267428" y="2194560"/>
-            <a:ext cx="10617041" cy="7680960"/>
+            <a:off x="2267429" y="1097280"/>
+            <a:ext cx="10617040" cy="3840480"/>
           </a:xfrm>
         </p:spPr>
         <p:txBody>
           <a:bodyPr anchor="b"/>
           <a:lstStyle>
             <a:lvl1pPr>
-              <a:defRPr sz="11520"/>
+              <a:defRPr sz="7680"/>
             </a:lvl1pPr>
           </a:lstStyle>
           <a:p>
@@ -1952,39 +1954,39 @@
         </p:nvSpPr>
         <p:spPr>
           <a:xfrm>
-            <a:off x="13994608" y="4739647"/>
-            <a:ext cx="16664940" cy="23393400"/>
+            <a:off x="13994608" y="2369821"/>
+            <a:ext cx="16664940" cy="11696700"/>
           </a:xfrm>
         </p:spPr>
         <p:txBody>
           <a:bodyPr/>
           <a:lstStyle>
             <a:lvl1pPr>
-              <a:defRPr sz="11520"/>
+              <a:defRPr sz="7680"/>
             </a:lvl1pPr>
             <a:lvl2pPr>
-              <a:defRPr sz="10080"/>
+              <a:defRPr sz="6720"/>
             </a:lvl2pPr>
             <a:lvl3pPr>
-              <a:defRPr sz="8640"/>
+              <a:defRPr sz="5760"/>
             </a:lvl3pPr>
             <a:lvl4pPr>
-              <a:defRPr sz="7200"/>
+              <a:defRPr sz="4800"/>
             </a:lvl4pPr>
             <a:lvl5pPr>
-              <a:defRPr sz="7200"/>
+              <a:defRPr sz="4800"/>
             </a:lvl5pPr>
             <a:lvl6pPr>
-              <a:defRPr sz="7200"/>
+              <a:defRPr sz="4800"/>
             </a:lvl6pPr>
             <a:lvl7pPr>
-              <a:defRPr sz="7200"/>
+              <a:defRPr sz="4800"/>
             </a:lvl7pPr>
             <a:lvl8pPr>
-              <a:defRPr sz="7200"/>
+              <a:defRPr sz="4800"/>
             </a:lvl8pPr>
             <a:lvl9pPr>
-              <a:defRPr sz="7200"/>
+              <a:defRPr sz="4800"/>
             </a:lvl9pPr>
           </a:lstStyle>
           <a:p>
@@ -2037,8 +2039,8 @@
         </p:nvSpPr>
         <p:spPr>
           <a:xfrm>
-            <a:off x="2267428" y="9875520"/>
-            <a:ext cx="10617041" cy="18295622"/>
+            <a:off x="2267429" y="4937760"/>
+            <a:ext cx="10617040" cy="9147811"/>
           </a:xfrm>
         </p:spPr>
         <p:txBody>
@@ -2046,39 +2048,39 @@
           <a:lstStyle>
             <a:lvl1pPr marL="0" indent="0">
               <a:buNone/>
-              <a:defRPr sz="5760"/>
+              <a:defRPr sz="3840"/>
             </a:lvl1pPr>
-            <a:lvl2pPr marL="1645920" indent="0">
-              <a:buNone/>
-              <a:defRPr sz="5040"/>
+            <a:lvl2pPr marL="1097280" indent="0">
+              <a:buNone/>
+              <a:defRPr sz="3360"/>
             </a:lvl2pPr>
-            <a:lvl3pPr marL="3291840" indent="0">
-              <a:buNone/>
-              <a:defRPr sz="4320"/>
+            <a:lvl3pPr marL="2194560" indent="0">
+              <a:buNone/>
+              <a:defRPr sz="2880"/>
             </a:lvl3pPr>
-            <a:lvl4pPr marL="4937760" indent="0">
-              <a:buNone/>
-              <a:defRPr sz="3600"/>
+            <a:lvl4pPr marL="3291840" indent="0">
+              <a:buNone/>
+              <a:defRPr sz="2400"/>
             </a:lvl4pPr>
-            <a:lvl5pPr marL="6583680" indent="0">
-              <a:buNone/>
-              <a:defRPr sz="3600"/>
+            <a:lvl5pPr marL="4389120" indent="0">
+              <a:buNone/>
+              <a:defRPr sz="2400"/>
             </a:lvl5pPr>
-            <a:lvl6pPr marL="8229600" indent="0">
-              <a:buNone/>
-              <a:defRPr sz="3600"/>
+            <a:lvl6pPr marL="5486400" indent="0">
+              <a:buNone/>
+              <a:defRPr sz="2400"/>
             </a:lvl6pPr>
-            <a:lvl7pPr marL="9875520" indent="0">
-              <a:buNone/>
-              <a:defRPr sz="3600"/>
+            <a:lvl7pPr marL="6583680" indent="0">
+              <a:buNone/>
+              <a:defRPr sz="2400"/>
             </a:lvl7pPr>
-            <a:lvl8pPr marL="11521440" indent="0">
-              <a:buNone/>
-              <a:defRPr sz="3600"/>
+            <a:lvl8pPr marL="7680960" indent="0">
+              <a:buNone/>
+              <a:defRPr sz="2400"/>
             </a:lvl8pPr>
-            <a:lvl9pPr marL="13167360" indent="0">
-              <a:buNone/>
-              <a:defRPr sz="3600"/>
+            <a:lvl9pPr marL="8778240" indent="0">
+              <a:buNone/>
+              <a:defRPr sz="2400"/>
             </a:lvl9pPr>
           </a:lstStyle>
           <a:p>
@@ -2107,7 +2109,7 @@
           <a:p>
             <a:fld id="{D02FEDC3-3BB2-49A6-BF32-B87A34325CFE}" type="datetimeFigureOut">
               <a:rPr lang="en-US" smtClean="0"/>
-              <a:t>12/15/2018</a:t>
+              <a:t>12/17/2018</a:t>
             </a:fld>
             <a:endParaRPr lang="en-US"/>
           </a:p>
@@ -2158,7 +2160,7 @@
     </p:spTree>
     <p:extLst>
       <p:ext uri="{BB962C8B-B14F-4D97-AF65-F5344CB8AC3E}">
-        <p14:creationId xmlns:p14="http://schemas.microsoft.com/office/powerpoint/2010/main" val="3752982808"/>
+        <p14:creationId xmlns:p14="http://schemas.microsoft.com/office/powerpoint/2010/main" val="1510445632"/>
       </p:ext>
     </p:extLst>
   </p:cSld>
@@ -2197,15 +2199,15 @@
         </p:nvSpPr>
         <p:spPr>
           <a:xfrm>
-            <a:off x="2267428" y="2194560"/>
-            <a:ext cx="10617041" cy="7680960"/>
+            <a:off x="2267429" y="1097280"/>
+            <a:ext cx="10617040" cy="3840480"/>
           </a:xfrm>
         </p:spPr>
         <p:txBody>
           <a:bodyPr anchor="b"/>
           <a:lstStyle>
             <a:lvl1pPr>
-              <a:defRPr sz="11520"/>
+              <a:defRPr sz="7680"/>
             </a:lvl1pPr>
           </a:lstStyle>
           <a:p>
@@ -2229,8 +2231,8 @@
         </p:nvSpPr>
         <p:spPr>
           <a:xfrm>
-            <a:off x="13994608" y="4739647"/>
-            <a:ext cx="16664940" cy="23393400"/>
+            <a:off x="13994608" y="2369821"/>
+            <a:ext cx="16664940" cy="11696700"/>
           </a:xfrm>
         </p:spPr>
         <p:txBody>
@@ -2238,39 +2240,39 @@
           <a:lstStyle>
             <a:lvl1pPr marL="0" indent="0">
               <a:buNone/>
-              <a:defRPr sz="11520"/>
+              <a:defRPr sz="7680"/>
             </a:lvl1pPr>
-            <a:lvl2pPr marL="1645920" indent="0">
-              <a:buNone/>
-              <a:defRPr sz="10080"/>
+            <a:lvl2pPr marL="1097280" indent="0">
+              <a:buNone/>
+              <a:defRPr sz="6720"/>
             </a:lvl2pPr>
-            <a:lvl3pPr marL="3291840" indent="0">
-              <a:buNone/>
-              <a:defRPr sz="8640"/>
+            <a:lvl3pPr marL="2194560" indent="0">
+              <a:buNone/>
+              <a:defRPr sz="5760"/>
             </a:lvl3pPr>
-            <a:lvl4pPr marL="4937760" indent="0">
-              <a:buNone/>
-              <a:defRPr sz="7200"/>
+            <a:lvl4pPr marL="3291840" indent="0">
+              <a:buNone/>
+              <a:defRPr sz="4800"/>
             </a:lvl4pPr>
-            <a:lvl5pPr marL="6583680" indent="0">
-              <a:buNone/>
-              <a:defRPr sz="7200"/>
+            <a:lvl5pPr marL="4389120" indent="0">
+              <a:buNone/>
+              <a:defRPr sz="4800"/>
             </a:lvl5pPr>
-            <a:lvl6pPr marL="8229600" indent="0">
-              <a:buNone/>
-              <a:defRPr sz="7200"/>
+            <a:lvl6pPr marL="5486400" indent="0">
+              <a:buNone/>
+              <a:defRPr sz="4800"/>
             </a:lvl6pPr>
-            <a:lvl7pPr marL="9875520" indent="0">
-              <a:buNone/>
-              <a:defRPr sz="7200"/>
+            <a:lvl7pPr marL="6583680" indent="0">
+              <a:buNone/>
+              <a:defRPr sz="4800"/>
             </a:lvl7pPr>
-            <a:lvl8pPr marL="11521440" indent="0">
-              <a:buNone/>
-              <a:defRPr sz="7200"/>
+            <a:lvl8pPr marL="7680960" indent="0">
+              <a:buNone/>
+              <a:defRPr sz="4800"/>
             </a:lvl8pPr>
-            <a:lvl9pPr marL="13167360" indent="0">
-              <a:buNone/>
-              <a:defRPr sz="7200"/>
+            <a:lvl9pPr marL="8778240" indent="0">
+              <a:buNone/>
+              <a:defRPr sz="4800"/>
             </a:lvl9pPr>
           </a:lstStyle>
           <a:p>
@@ -2294,8 +2296,8 @@
         </p:nvSpPr>
         <p:spPr>
           <a:xfrm>
-            <a:off x="2267428" y="9875520"/>
-            <a:ext cx="10617041" cy="18295622"/>
+            <a:off x="2267429" y="4937760"/>
+            <a:ext cx="10617040" cy="9147811"/>
           </a:xfrm>
         </p:spPr>
         <p:txBody>
@@ -2303,39 +2305,39 @@
           <a:lstStyle>
             <a:lvl1pPr marL="0" indent="0">
               <a:buNone/>
-              <a:defRPr sz="5760"/>
+              <a:defRPr sz="3840"/>
             </a:lvl1pPr>
-            <a:lvl2pPr marL="1645920" indent="0">
-              <a:buNone/>
-              <a:defRPr sz="5040"/>
+            <a:lvl2pPr marL="1097280" indent="0">
+              <a:buNone/>
+              <a:defRPr sz="3360"/>
             </a:lvl2pPr>
-            <a:lvl3pPr marL="3291840" indent="0">
-              <a:buNone/>
-              <a:defRPr sz="4320"/>
+            <a:lvl3pPr marL="2194560" indent="0">
+              <a:buNone/>
+              <a:defRPr sz="2880"/>
             </a:lvl3pPr>
-            <a:lvl4pPr marL="4937760" indent="0">
-              <a:buNone/>
-              <a:defRPr sz="3600"/>
+            <a:lvl4pPr marL="3291840" indent="0">
+              <a:buNone/>
+              <a:defRPr sz="2400"/>
             </a:lvl4pPr>
-            <a:lvl5pPr marL="6583680" indent="0">
-              <a:buNone/>
-              <a:defRPr sz="3600"/>
+            <a:lvl5pPr marL="4389120" indent="0">
+              <a:buNone/>
+              <a:defRPr sz="2400"/>
             </a:lvl5pPr>
-            <a:lvl6pPr marL="8229600" indent="0">
-              <a:buNone/>
-              <a:defRPr sz="3600"/>
+            <a:lvl6pPr marL="5486400" indent="0">
+              <a:buNone/>
+              <a:defRPr sz="2400"/>
             </a:lvl6pPr>
-            <a:lvl7pPr marL="9875520" indent="0">
-              <a:buNone/>
-              <a:defRPr sz="3600"/>
+            <a:lvl7pPr marL="6583680" indent="0">
+              <a:buNone/>
+              <a:defRPr sz="2400"/>
             </a:lvl7pPr>
-            <a:lvl8pPr marL="11521440" indent="0">
-              <a:buNone/>
-              <a:defRPr sz="3600"/>
+            <a:lvl8pPr marL="7680960" indent="0">
+              <a:buNone/>
+              <a:defRPr sz="2400"/>
             </a:lvl8pPr>
-            <a:lvl9pPr marL="13167360" indent="0">
-              <a:buNone/>
-              <a:defRPr sz="3600"/>
+            <a:lvl9pPr marL="8778240" indent="0">
+              <a:buNone/>
+              <a:defRPr sz="2400"/>
             </a:lvl9pPr>
           </a:lstStyle>
           <a:p>
@@ -2364,7 +2366,7 @@
           <a:p>
             <a:fld id="{D02FEDC3-3BB2-49A6-BF32-B87A34325CFE}" type="datetimeFigureOut">
               <a:rPr lang="en-US" smtClean="0"/>
-              <a:t>12/15/2018</a:t>
+              <a:t>12/17/2018</a:t>
             </a:fld>
             <a:endParaRPr lang="en-US"/>
           </a:p>
@@ -2415,7 +2417,7 @@
     </p:spTree>
     <p:extLst>
       <p:ext uri="{BB962C8B-B14F-4D97-AF65-F5344CB8AC3E}">
-        <p14:creationId xmlns:p14="http://schemas.microsoft.com/office/powerpoint/2010/main" val="1847527593"/>
+        <p14:creationId xmlns:p14="http://schemas.microsoft.com/office/powerpoint/2010/main" val="631658323"/>
       </p:ext>
     </p:extLst>
   </p:cSld>
@@ -2459,8 +2461,8 @@
         </p:nvSpPr>
         <p:spPr>
           <a:xfrm>
-            <a:off x="2263140" y="1752607"/>
-            <a:ext cx="28392120" cy="6362702"/>
+            <a:off x="2263140" y="876301"/>
+            <a:ext cx="28392120" cy="3181351"/>
           </a:xfrm>
           <a:prstGeom prst="rect">
             <a:avLst/>
@@ -2492,8 +2494,8 @@
         </p:nvSpPr>
         <p:spPr>
           <a:xfrm>
-            <a:off x="2263140" y="8763000"/>
-            <a:ext cx="28392120" cy="20886422"/>
+            <a:off x="2263140" y="4381500"/>
+            <a:ext cx="28392120" cy="10443211"/>
           </a:xfrm>
           <a:prstGeom prst="rect">
             <a:avLst/>
@@ -2554,8 +2556,8 @@
         </p:nvSpPr>
         <p:spPr>
           <a:xfrm>
-            <a:off x="2263140" y="30510487"/>
-            <a:ext cx="7406640" cy="1752600"/>
+            <a:off x="2263140" y="15255241"/>
+            <a:ext cx="7406640" cy="876300"/>
           </a:xfrm>
           <a:prstGeom prst="rect">
             <a:avLst/>
@@ -2565,7 +2567,7 @@
           <a:bodyPr vert="horz" lIns="91440" tIns="45720" rIns="91440" bIns="45720" rtlCol="0" anchor="ctr"/>
           <a:lstStyle>
             <a:lvl1pPr algn="l">
-              <a:defRPr sz="4320">
+              <a:defRPr sz="2880">
                 <a:solidFill>
                   <a:schemeClr val="tx1">
                     <a:tint val="75000"/>
@@ -2577,7 +2579,7 @@
           <a:p>
             <a:fld id="{D02FEDC3-3BB2-49A6-BF32-B87A34325CFE}" type="datetimeFigureOut">
               <a:rPr lang="en-US" smtClean="0"/>
-              <a:t>12/15/2018</a:t>
+              <a:t>12/17/2018</a:t>
             </a:fld>
             <a:endParaRPr lang="en-US"/>
           </a:p>
@@ -2595,8 +2597,8 @@
         </p:nvSpPr>
         <p:spPr>
           <a:xfrm>
-            <a:off x="10904220" y="30510487"/>
-            <a:ext cx="11109960" cy="1752600"/>
+            <a:off x="10904220" y="15255241"/>
+            <a:ext cx="11109960" cy="876300"/>
           </a:xfrm>
           <a:prstGeom prst="rect">
             <a:avLst/>
@@ -2606,7 +2608,7 @@
           <a:bodyPr vert="horz" lIns="91440" tIns="45720" rIns="91440" bIns="45720" rtlCol="0" anchor="ctr"/>
           <a:lstStyle>
             <a:lvl1pPr algn="ctr">
-              <a:defRPr sz="4320">
+              <a:defRPr sz="2880">
                 <a:solidFill>
                   <a:schemeClr val="tx1">
                     <a:tint val="75000"/>
@@ -2632,8 +2634,8 @@
         </p:nvSpPr>
         <p:spPr>
           <a:xfrm>
-            <a:off x="23248620" y="30510487"/>
-            <a:ext cx="7406640" cy="1752600"/>
+            <a:off x="23248620" y="15255241"/>
+            <a:ext cx="7406640" cy="876300"/>
           </a:xfrm>
           <a:prstGeom prst="rect">
             <a:avLst/>
@@ -2643,7 +2645,7 @@
           <a:bodyPr vert="horz" lIns="91440" tIns="45720" rIns="91440" bIns="45720" rtlCol="0" anchor="ctr"/>
           <a:lstStyle>
             <a:lvl1pPr algn="r">
-              <a:defRPr sz="4320">
+              <a:defRPr sz="2880">
                 <a:solidFill>
                   <a:schemeClr val="tx1">
                     <a:tint val="75000"/>
@@ -2664,27 +2666,27 @@
     </p:spTree>
     <p:extLst>
       <p:ext uri="{BB962C8B-B14F-4D97-AF65-F5344CB8AC3E}">
-        <p14:creationId xmlns:p14="http://schemas.microsoft.com/office/powerpoint/2010/main" val="2445579652"/>
+        <p14:creationId xmlns:p14="http://schemas.microsoft.com/office/powerpoint/2010/main" val="1210275044"/>
       </p:ext>
     </p:extLst>
   </p:cSld>
   <p:clrMap bg1="lt1" tx1="dk1" bg2="lt2" tx2="dk2" accent1="accent1" accent2="accent2" accent3="accent3" accent4="accent4" accent5="accent5" accent6="accent6" hlink="hlink" folHlink="folHlink"/>
   <p:sldLayoutIdLst>
-    <p:sldLayoutId id="2147483661" r:id="rId1"/>
-    <p:sldLayoutId id="2147483662" r:id="rId2"/>
-    <p:sldLayoutId id="2147483663" r:id="rId3"/>
-    <p:sldLayoutId id="2147483664" r:id="rId4"/>
-    <p:sldLayoutId id="2147483665" r:id="rId5"/>
-    <p:sldLayoutId id="2147483666" r:id="rId6"/>
-    <p:sldLayoutId id="2147483667" r:id="rId7"/>
-    <p:sldLayoutId id="2147483668" r:id="rId8"/>
-    <p:sldLayoutId id="2147483669" r:id="rId9"/>
-    <p:sldLayoutId id="2147483670" r:id="rId10"/>
-    <p:sldLayoutId id="2147483671" r:id="rId11"/>
+    <p:sldLayoutId id="2147483673" r:id="rId1"/>
+    <p:sldLayoutId id="2147483674" r:id="rId2"/>
+    <p:sldLayoutId id="2147483675" r:id="rId3"/>
+    <p:sldLayoutId id="2147483676" r:id="rId4"/>
+    <p:sldLayoutId id="2147483677" r:id="rId5"/>
+    <p:sldLayoutId id="2147483678" r:id="rId6"/>
+    <p:sldLayoutId id="2147483679" r:id="rId7"/>
+    <p:sldLayoutId id="2147483680" r:id="rId8"/>
+    <p:sldLayoutId id="2147483681" r:id="rId9"/>
+    <p:sldLayoutId id="2147483682" r:id="rId10"/>
+    <p:sldLayoutId id="2147483683" r:id="rId11"/>
   </p:sldLayoutIdLst>
   <p:txStyles>
     <p:titleStyle>
-      <a:lvl1pPr algn="l" defTabSz="3291840" rtl="0" eaLnBrk="1" latinLnBrk="0" hangingPunct="1">
+      <a:lvl1pPr algn="l" defTabSz="2194560" rtl="0" eaLnBrk="1" latinLnBrk="0" hangingPunct="1">
         <a:lnSpc>
           <a:spcPct val="90000"/>
         </a:lnSpc>
@@ -2692,7 +2694,7 @@
           <a:spcPct val="0"/>
         </a:spcBef>
         <a:buNone/>
-        <a:defRPr sz="15840" kern="1200">
+        <a:defRPr sz="10560" kern="1200">
           <a:solidFill>
             <a:schemeClr val="tx1"/>
           </a:solidFill>
@@ -2703,16 +2705,16 @@
       </a:lvl1pPr>
     </p:titleStyle>
     <p:bodyStyle>
-      <a:lvl1pPr marL="822960" indent="-822960" algn="l" defTabSz="3291840" rtl="0" eaLnBrk="1" latinLnBrk="0" hangingPunct="1">
+      <a:lvl1pPr marL="548640" indent="-548640" algn="l" defTabSz="2194560" rtl="0" eaLnBrk="1" latinLnBrk="0" hangingPunct="1">
         <a:lnSpc>
           <a:spcPct val="90000"/>
         </a:lnSpc>
         <a:spcBef>
-          <a:spcPts val="3600"/>
+          <a:spcPts val="2400"/>
         </a:spcBef>
         <a:buFont typeface="Arial" panose="020B0604020202020204" pitchFamily="34" charset="0"/>
         <a:buChar char="•"/>
-        <a:defRPr sz="10080" kern="1200">
+        <a:defRPr sz="6720" kern="1200">
           <a:solidFill>
             <a:schemeClr val="tx1"/>
           </a:solidFill>
@@ -2721,16 +2723,16 @@
           <a:cs typeface="+mn-cs"/>
         </a:defRPr>
       </a:lvl1pPr>
-      <a:lvl2pPr marL="2468880" indent="-822960" algn="l" defTabSz="3291840" rtl="0" eaLnBrk="1" latinLnBrk="0" hangingPunct="1">
+      <a:lvl2pPr marL="1645920" indent="-548640" algn="l" defTabSz="2194560" rtl="0" eaLnBrk="1" latinLnBrk="0" hangingPunct="1">
         <a:lnSpc>
           <a:spcPct val="90000"/>
         </a:lnSpc>
         <a:spcBef>
-          <a:spcPts val="1800"/>
+          <a:spcPts val="1200"/>
         </a:spcBef>
         <a:buFont typeface="Arial" panose="020B0604020202020204" pitchFamily="34" charset="0"/>
         <a:buChar char="•"/>
-        <a:defRPr sz="8640" kern="1200">
+        <a:defRPr sz="5760" kern="1200">
           <a:solidFill>
             <a:schemeClr val="tx1"/>
           </a:solidFill>
@@ -2739,16 +2741,16 @@
           <a:cs typeface="+mn-cs"/>
         </a:defRPr>
       </a:lvl2pPr>
-      <a:lvl3pPr marL="4114800" indent="-822960" algn="l" defTabSz="3291840" rtl="0" eaLnBrk="1" latinLnBrk="0" hangingPunct="1">
+      <a:lvl3pPr marL="2743200" indent="-548640" algn="l" defTabSz="2194560" rtl="0" eaLnBrk="1" latinLnBrk="0" hangingPunct="1">
         <a:lnSpc>
           <a:spcPct val="90000"/>
         </a:lnSpc>
         <a:spcBef>
-          <a:spcPts val="1800"/>
+          <a:spcPts val="1200"/>
         </a:spcBef>
         <a:buFont typeface="Arial" panose="020B0604020202020204" pitchFamily="34" charset="0"/>
         <a:buChar char="•"/>
-        <a:defRPr sz="7200" kern="1200">
+        <a:defRPr sz="4800" kern="1200">
           <a:solidFill>
             <a:schemeClr val="tx1"/>
           </a:solidFill>
@@ -2757,16 +2759,16 @@
           <a:cs typeface="+mn-cs"/>
         </a:defRPr>
       </a:lvl3pPr>
-      <a:lvl4pPr marL="5760720" indent="-822960" algn="l" defTabSz="3291840" rtl="0" eaLnBrk="1" latinLnBrk="0" hangingPunct="1">
+      <a:lvl4pPr marL="3840480" indent="-548640" algn="l" defTabSz="2194560" rtl="0" eaLnBrk="1" latinLnBrk="0" hangingPunct="1">
         <a:lnSpc>
           <a:spcPct val="90000"/>
         </a:lnSpc>
         <a:spcBef>
-          <a:spcPts val="1800"/>
+          <a:spcPts val="1200"/>
         </a:spcBef>
         <a:buFont typeface="Arial" panose="020B0604020202020204" pitchFamily="34" charset="0"/>
         <a:buChar char="•"/>
-        <a:defRPr sz="6480" kern="1200">
+        <a:defRPr sz="4320" kern="1200">
           <a:solidFill>
             <a:schemeClr val="tx1"/>
           </a:solidFill>
@@ -2775,16 +2777,16 @@
           <a:cs typeface="+mn-cs"/>
         </a:defRPr>
       </a:lvl4pPr>
-      <a:lvl5pPr marL="7406640" indent="-822960" algn="l" defTabSz="3291840" rtl="0" eaLnBrk="1" latinLnBrk="0" hangingPunct="1">
+      <a:lvl5pPr marL="4937760" indent="-548640" algn="l" defTabSz="2194560" rtl="0" eaLnBrk="1" latinLnBrk="0" hangingPunct="1">
         <a:lnSpc>
           <a:spcPct val="90000"/>
         </a:lnSpc>
         <a:spcBef>
-          <a:spcPts val="1800"/>
+          <a:spcPts val="1200"/>
         </a:spcBef>
         <a:buFont typeface="Arial" panose="020B0604020202020204" pitchFamily="34" charset="0"/>
         <a:buChar char="•"/>
-        <a:defRPr sz="6480" kern="1200">
+        <a:defRPr sz="4320" kern="1200">
           <a:solidFill>
             <a:schemeClr val="tx1"/>
           </a:solidFill>
@@ -2793,16 +2795,16 @@
           <a:cs typeface="+mn-cs"/>
         </a:defRPr>
       </a:lvl5pPr>
-      <a:lvl6pPr marL="9052560" indent="-822960" algn="l" defTabSz="3291840" rtl="0" eaLnBrk="1" latinLnBrk="0" hangingPunct="1">
+      <a:lvl6pPr marL="6035040" indent="-548640" algn="l" defTabSz="2194560" rtl="0" eaLnBrk="1" latinLnBrk="0" hangingPunct="1">
         <a:lnSpc>
           <a:spcPct val="90000"/>
         </a:lnSpc>
         <a:spcBef>
-          <a:spcPts val="1800"/>
+          <a:spcPts val="1200"/>
         </a:spcBef>
         <a:buFont typeface="Arial" panose="020B0604020202020204" pitchFamily="34" charset="0"/>
         <a:buChar char="•"/>
-        <a:defRPr sz="6480" kern="1200">
+        <a:defRPr sz="4320" kern="1200">
           <a:solidFill>
             <a:schemeClr val="tx1"/>
           </a:solidFill>
@@ -2811,16 +2813,16 @@
           <a:cs typeface="+mn-cs"/>
         </a:defRPr>
       </a:lvl6pPr>
-      <a:lvl7pPr marL="10698480" indent="-822960" algn="l" defTabSz="3291840" rtl="0" eaLnBrk="1" latinLnBrk="0" hangingPunct="1">
+      <a:lvl7pPr marL="7132320" indent="-548640" algn="l" defTabSz="2194560" rtl="0" eaLnBrk="1" latinLnBrk="0" hangingPunct="1">
         <a:lnSpc>
           <a:spcPct val="90000"/>
         </a:lnSpc>
         <a:spcBef>
-          <a:spcPts val="1800"/>
+          <a:spcPts val="1200"/>
         </a:spcBef>
         <a:buFont typeface="Arial" panose="020B0604020202020204" pitchFamily="34" charset="0"/>
         <a:buChar char="•"/>
-        <a:defRPr sz="6480" kern="1200">
+        <a:defRPr sz="4320" kern="1200">
           <a:solidFill>
             <a:schemeClr val="tx1"/>
           </a:solidFill>
@@ -2829,16 +2831,16 @@
           <a:cs typeface="+mn-cs"/>
         </a:defRPr>
       </a:lvl7pPr>
-      <a:lvl8pPr marL="12344400" indent="-822960" algn="l" defTabSz="3291840" rtl="0" eaLnBrk="1" latinLnBrk="0" hangingPunct="1">
+      <a:lvl8pPr marL="8229600" indent="-548640" algn="l" defTabSz="2194560" rtl="0" eaLnBrk="1" latinLnBrk="0" hangingPunct="1">
         <a:lnSpc>
           <a:spcPct val="90000"/>
         </a:lnSpc>
         <a:spcBef>
-          <a:spcPts val="1800"/>
+          <a:spcPts val="1200"/>
         </a:spcBef>
         <a:buFont typeface="Arial" panose="020B0604020202020204" pitchFamily="34" charset="0"/>
         <a:buChar char="•"/>
-        <a:defRPr sz="6480" kern="1200">
+        <a:defRPr sz="4320" kern="1200">
           <a:solidFill>
             <a:schemeClr val="tx1"/>
           </a:solidFill>
@@ -2847,16 +2849,16 @@
           <a:cs typeface="+mn-cs"/>
         </a:defRPr>
       </a:lvl8pPr>
-      <a:lvl9pPr marL="13990320" indent="-822960" algn="l" defTabSz="3291840" rtl="0" eaLnBrk="1" latinLnBrk="0" hangingPunct="1">
+      <a:lvl9pPr marL="9326880" indent="-548640" algn="l" defTabSz="2194560" rtl="0" eaLnBrk="1" latinLnBrk="0" hangingPunct="1">
         <a:lnSpc>
           <a:spcPct val="90000"/>
         </a:lnSpc>
         <a:spcBef>
-          <a:spcPts val="1800"/>
+          <a:spcPts val="1200"/>
         </a:spcBef>
         <a:buFont typeface="Arial" panose="020B0604020202020204" pitchFamily="34" charset="0"/>
         <a:buChar char="•"/>
-        <a:defRPr sz="6480" kern="1200">
+        <a:defRPr sz="4320" kern="1200">
           <a:solidFill>
             <a:schemeClr val="tx1"/>
           </a:solidFill>
@@ -2870,8 +2872,8 @@
       <a:defPPr>
         <a:defRPr lang="en-US"/>
       </a:defPPr>
-      <a:lvl1pPr marL="0" algn="l" defTabSz="3291840" rtl="0" eaLnBrk="1" latinLnBrk="0" hangingPunct="1">
-        <a:defRPr sz="6480" kern="1200">
+      <a:lvl1pPr marL="0" algn="l" defTabSz="2194560" rtl="0" eaLnBrk="1" latinLnBrk="0" hangingPunct="1">
+        <a:defRPr sz="4320" kern="1200">
           <a:solidFill>
             <a:schemeClr val="tx1"/>
           </a:solidFill>
@@ -2880,8 +2882,8 @@
           <a:cs typeface="+mn-cs"/>
         </a:defRPr>
       </a:lvl1pPr>
-      <a:lvl2pPr marL="1645920" algn="l" defTabSz="3291840" rtl="0" eaLnBrk="1" latinLnBrk="0" hangingPunct="1">
-        <a:defRPr sz="6480" kern="1200">
+      <a:lvl2pPr marL="1097280" algn="l" defTabSz="2194560" rtl="0" eaLnBrk="1" latinLnBrk="0" hangingPunct="1">
+        <a:defRPr sz="4320" kern="1200">
           <a:solidFill>
             <a:schemeClr val="tx1"/>
           </a:solidFill>
@@ -2890,8 +2892,8 @@
           <a:cs typeface="+mn-cs"/>
         </a:defRPr>
       </a:lvl2pPr>
-      <a:lvl3pPr marL="3291840" algn="l" defTabSz="3291840" rtl="0" eaLnBrk="1" latinLnBrk="0" hangingPunct="1">
-        <a:defRPr sz="6480" kern="1200">
+      <a:lvl3pPr marL="2194560" algn="l" defTabSz="2194560" rtl="0" eaLnBrk="1" latinLnBrk="0" hangingPunct="1">
+        <a:defRPr sz="4320" kern="1200">
           <a:solidFill>
             <a:schemeClr val="tx1"/>
           </a:solidFill>
@@ -2900,8 +2902,8 @@
           <a:cs typeface="+mn-cs"/>
         </a:defRPr>
       </a:lvl3pPr>
-      <a:lvl4pPr marL="4937760" algn="l" defTabSz="3291840" rtl="0" eaLnBrk="1" latinLnBrk="0" hangingPunct="1">
-        <a:defRPr sz="6480" kern="1200">
+      <a:lvl4pPr marL="3291840" algn="l" defTabSz="2194560" rtl="0" eaLnBrk="1" latinLnBrk="0" hangingPunct="1">
+        <a:defRPr sz="4320" kern="1200">
           <a:solidFill>
             <a:schemeClr val="tx1"/>
           </a:solidFill>
@@ -2910,8 +2912,8 @@
           <a:cs typeface="+mn-cs"/>
         </a:defRPr>
       </a:lvl4pPr>
-      <a:lvl5pPr marL="6583680" algn="l" defTabSz="3291840" rtl="0" eaLnBrk="1" latinLnBrk="0" hangingPunct="1">
-        <a:defRPr sz="6480" kern="1200">
+      <a:lvl5pPr marL="4389120" algn="l" defTabSz="2194560" rtl="0" eaLnBrk="1" latinLnBrk="0" hangingPunct="1">
+        <a:defRPr sz="4320" kern="1200">
           <a:solidFill>
             <a:schemeClr val="tx1"/>
           </a:solidFill>
@@ -2920,8 +2922,8 @@
           <a:cs typeface="+mn-cs"/>
         </a:defRPr>
       </a:lvl5pPr>
-      <a:lvl6pPr marL="8229600" algn="l" defTabSz="3291840" rtl="0" eaLnBrk="1" latinLnBrk="0" hangingPunct="1">
-        <a:defRPr sz="6480" kern="1200">
+      <a:lvl6pPr marL="5486400" algn="l" defTabSz="2194560" rtl="0" eaLnBrk="1" latinLnBrk="0" hangingPunct="1">
+        <a:defRPr sz="4320" kern="1200">
           <a:solidFill>
             <a:schemeClr val="tx1"/>
           </a:solidFill>
@@ -2930,8 +2932,8 @@
           <a:cs typeface="+mn-cs"/>
         </a:defRPr>
       </a:lvl6pPr>
-      <a:lvl7pPr marL="9875520" algn="l" defTabSz="3291840" rtl="0" eaLnBrk="1" latinLnBrk="0" hangingPunct="1">
-        <a:defRPr sz="6480" kern="1200">
+      <a:lvl7pPr marL="6583680" algn="l" defTabSz="2194560" rtl="0" eaLnBrk="1" latinLnBrk="0" hangingPunct="1">
+        <a:defRPr sz="4320" kern="1200">
           <a:solidFill>
             <a:schemeClr val="tx1"/>
           </a:solidFill>
@@ -2940,8 +2942,8 @@
           <a:cs typeface="+mn-cs"/>
         </a:defRPr>
       </a:lvl7pPr>
-      <a:lvl8pPr marL="11521440" algn="l" defTabSz="3291840" rtl="0" eaLnBrk="1" latinLnBrk="0" hangingPunct="1">
-        <a:defRPr sz="6480" kern="1200">
+      <a:lvl8pPr marL="7680960" algn="l" defTabSz="2194560" rtl="0" eaLnBrk="1" latinLnBrk="0" hangingPunct="1">
+        <a:defRPr sz="4320" kern="1200">
           <a:solidFill>
             <a:schemeClr val="tx1"/>
           </a:solidFill>
@@ -2950,8 +2952,8 @@
           <a:cs typeface="+mn-cs"/>
         </a:defRPr>
       </a:lvl8pPr>
-      <a:lvl9pPr marL="13167360" algn="l" defTabSz="3291840" rtl="0" eaLnBrk="1" latinLnBrk="0" hangingPunct="1">
-        <a:defRPr sz="6480" kern="1200">
+      <a:lvl9pPr marL="8778240" algn="l" defTabSz="2194560" rtl="0" eaLnBrk="1" latinLnBrk="0" hangingPunct="1">
+        <a:defRPr sz="4320" kern="1200">
           <a:solidFill>
             <a:schemeClr val="tx1"/>
           </a:solidFill>
@@ -2984,6 +2986,266 @@
       </p:grpSpPr>
       <p:sp>
         <p:nvSpPr>
+          <p:cNvPr id="24" name="Rectangle 23">
+            <a:extLst>
+              <a:ext uri="{FF2B5EF4-FFF2-40B4-BE49-F238E27FC236}">
+                <a16:creationId xmlns:a16="http://schemas.microsoft.com/office/drawing/2014/main" id="{31BB0F91-97B8-48D4-8222-CE1E2E1B3D5C}"/>
+              </a:ext>
+            </a:extLst>
+          </p:cNvPr>
+          <p:cNvSpPr/>
+          <p:nvPr/>
+        </p:nvSpPr>
+        <p:spPr>
+          <a:xfrm>
+            <a:off x="903642" y="12816459"/>
+            <a:ext cx="31089600" cy="2715483"/>
+          </a:xfrm>
+          <a:prstGeom prst="rect">
+            <a:avLst/>
+          </a:prstGeom>
+          <a:solidFill>
+            <a:schemeClr val="accent3">
+              <a:lumMod val="20000"/>
+              <a:lumOff val="80000"/>
+            </a:schemeClr>
+          </a:solidFill>
+        </p:spPr>
+        <p:style>
+          <a:lnRef idx="2">
+            <a:schemeClr val="accent1">
+              <a:shade val="50000"/>
+            </a:schemeClr>
+          </a:lnRef>
+          <a:fillRef idx="1">
+            <a:schemeClr val="accent1"/>
+          </a:fillRef>
+          <a:effectRef idx="0">
+            <a:schemeClr val="accent1"/>
+          </a:effectRef>
+          <a:fontRef idx="minor">
+            <a:schemeClr val="lt1"/>
+          </a:fontRef>
+        </p:style>
+        <p:txBody>
+          <a:bodyPr rtlCol="0" anchor="ctr"/>
+          <a:lstStyle/>
+          <a:p>
+            <a:pPr algn="ctr"/>
+            <a:endParaRPr lang="en-US"/>
+          </a:p>
+        </p:txBody>
+      </p:sp>
+      <p:sp>
+        <p:nvSpPr>
+          <p:cNvPr id="23" name="Rectangle 22">
+            <a:extLst>
+              <a:ext uri="{FF2B5EF4-FFF2-40B4-BE49-F238E27FC236}">
+                <a16:creationId xmlns:a16="http://schemas.microsoft.com/office/drawing/2014/main" id="{C28EA73B-1224-4A39-A884-12D33369D51C}"/>
+              </a:ext>
+            </a:extLst>
+          </p:cNvPr>
+          <p:cNvSpPr/>
+          <p:nvPr/>
+        </p:nvSpPr>
+        <p:spPr>
+          <a:xfrm>
+            <a:off x="903642" y="10100976"/>
+            <a:ext cx="31089600" cy="2715483"/>
+          </a:xfrm>
+          <a:prstGeom prst="rect">
+            <a:avLst/>
+          </a:prstGeom>
+          <a:solidFill>
+            <a:schemeClr val="accent4">
+              <a:lumMod val="20000"/>
+              <a:lumOff val="80000"/>
+            </a:schemeClr>
+          </a:solidFill>
+        </p:spPr>
+        <p:style>
+          <a:lnRef idx="2">
+            <a:schemeClr val="accent1">
+              <a:shade val="50000"/>
+            </a:schemeClr>
+          </a:lnRef>
+          <a:fillRef idx="1">
+            <a:schemeClr val="accent1"/>
+          </a:fillRef>
+          <a:effectRef idx="0">
+            <a:schemeClr val="accent1"/>
+          </a:effectRef>
+          <a:fontRef idx="minor">
+            <a:schemeClr val="lt1"/>
+          </a:fontRef>
+        </p:style>
+        <p:txBody>
+          <a:bodyPr rtlCol="0" anchor="ctr"/>
+          <a:lstStyle/>
+          <a:p>
+            <a:pPr algn="ctr"/>
+            <a:endParaRPr lang="en-US"/>
+          </a:p>
+        </p:txBody>
+      </p:sp>
+      <p:sp>
+        <p:nvSpPr>
+          <p:cNvPr id="22" name="Rectangle 21">
+            <a:extLst>
+              <a:ext uri="{FF2B5EF4-FFF2-40B4-BE49-F238E27FC236}">
+                <a16:creationId xmlns:a16="http://schemas.microsoft.com/office/drawing/2014/main" id="{2B885DA8-664B-4B43-AB59-CC00A424F474}"/>
+              </a:ext>
+            </a:extLst>
+          </p:cNvPr>
+          <p:cNvSpPr/>
+          <p:nvPr/>
+        </p:nvSpPr>
+        <p:spPr>
+          <a:xfrm>
+            <a:off x="914400" y="7370977"/>
+            <a:ext cx="31089600" cy="2715483"/>
+          </a:xfrm>
+          <a:prstGeom prst="rect">
+            <a:avLst/>
+          </a:prstGeom>
+          <a:solidFill>
+            <a:schemeClr val="accent6">
+              <a:lumMod val="20000"/>
+              <a:lumOff val="80000"/>
+            </a:schemeClr>
+          </a:solidFill>
+        </p:spPr>
+        <p:style>
+          <a:lnRef idx="2">
+            <a:schemeClr val="accent1">
+              <a:shade val="50000"/>
+            </a:schemeClr>
+          </a:lnRef>
+          <a:fillRef idx="1">
+            <a:schemeClr val="accent1"/>
+          </a:fillRef>
+          <a:effectRef idx="0">
+            <a:schemeClr val="accent1"/>
+          </a:effectRef>
+          <a:fontRef idx="minor">
+            <a:schemeClr val="lt1"/>
+          </a:fontRef>
+        </p:style>
+        <p:txBody>
+          <a:bodyPr rtlCol="0" anchor="ctr"/>
+          <a:lstStyle/>
+          <a:p>
+            <a:pPr algn="ctr"/>
+            <a:endParaRPr lang="en-US"/>
+          </a:p>
+        </p:txBody>
+      </p:sp>
+      <p:sp>
+        <p:nvSpPr>
+          <p:cNvPr id="4" name="Rectangle 3">
+            <a:extLst>
+              <a:ext uri="{FF2B5EF4-FFF2-40B4-BE49-F238E27FC236}">
+                <a16:creationId xmlns:a16="http://schemas.microsoft.com/office/drawing/2014/main" id="{B8364325-B008-4014-88F0-F7B64749AB34}"/>
+              </a:ext>
+            </a:extLst>
+          </p:cNvPr>
+          <p:cNvSpPr/>
+          <p:nvPr/>
+        </p:nvSpPr>
+        <p:spPr>
+          <a:xfrm>
+            <a:off x="914400" y="4603645"/>
+            <a:ext cx="31089600" cy="2767332"/>
+          </a:xfrm>
+          <a:prstGeom prst="rect">
+            <a:avLst/>
+          </a:prstGeom>
+          <a:solidFill>
+            <a:schemeClr val="accent2">
+              <a:lumMod val="20000"/>
+              <a:lumOff val="80000"/>
+            </a:schemeClr>
+          </a:solidFill>
+        </p:spPr>
+        <p:style>
+          <a:lnRef idx="2">
+            <a:schemeClr val="accent1">
+              <a:shade val="50000"/>
+            </a:schemeClr>
+          </a:lnRef>
+          <a:fillRef idx="1">
+            <a:schemeClr val="accent1"/>
+          </a:fillRef>
+          <a:effectRef idx="0">
+            <a:schemeClr val="accent1"/>
+          </a:effectRef>
+          <a:fontRef idx="minor">
+            <a:schemeClr val="lt1"/>
+          </a:fontRef>
+        </p:style>
+        <p:txBody>
+          <a:bodyPr rtlCol="0" anchor="ctr"/>
+          <a:lstStyle/>
+          <a:p>
+            <a:pPr algn="ctr"/>
+            <a:endParaRPr lang="en-US"/>
+          </a:p>
+        </p:txBody>
+      </p:sp>
+      <p:sp>
+        <p:nvSpPr>
+          <p:cNvPr id="3" name="Rectangle 2">
+            <a:extLst>
+              <a:ext uri="{FF2B5EF4-FFF2-40B4-BE49-F238E27FC236}">
+                <a16:creationId xmlns:a16="http://schemas.microsoft.com/office/drawing/2014/main" id="{250AA153-65EC-4597-AAE8-E5251E72C051}"/>
+              </a:ext>
+            </a:extLst>
+          </p:cNvPr>
+          <p:cNvSpPr/>
+          <p:nvPr/>
+        </p:nvSpPr>
+        <p:spPr>
+          <a:xfrm>
+            <a:off x="914400" y="1888162"/>
+            <a:ext cx="31078842" cy="2715483"/>
+          </a:xfrm>
+          <a:prstGeom prst="rect">
+            <a:avLst/>
+          </a:prstGeom>
+          <a:solidFill>
+            <a:schemeClr val="accent1">
+              <a:lumMod val="20000"/>
+              <a:lumOff val="80000"/>
+            </a:schemeClr>
+          </a:solidFill>
+        </p:spPr>
+        <p:style>
+          <a:lnRef idx="2">
+            <a:schemeClr val="accent1">
+              <a:shade val="50000"/>
+            </a:schemeClr>
+          </a:lnRef>
+          <a:fillRef idx="1">
+            <a:schemeClr val="accent1"/>
+          </a:fillRef>
+          <a:effectRef idx="0">
+            <a:schemeClr val="accent1"/>
+          </a:effectRef>
+          <a:fontRef idx="minor">
+            <a:schemeClr val="lt1"/>
+          </a:fontRef>
+        </p:style>
+        <p:txBody>
+          <a:bodyPr rtlCol="0" anchor="ctr"/>
+          <a:lstStyle/>
+          <a:p>
+            <a:pPr algn="ctr"/>
+            <a:endParaRPr lang="en-US"/>
+          </a:p>
+        </p:txBody>
+      </p:sp>
+      <p:sp>
+        <p:nvSpPr>
           <p:cNvPr id="5" name="TextBox 4">
             <a:extLst>
               <a:ext uri="{FF2B5EF4-FFF2-40B4-BE49-F238E27FC236}">
@@ -2996,8 +3258,8 @@
         </p:nvSpPr>
         <p:spPr>
           <a:xfrm>
-            <a:off x="2735901" y="953817"/>
-            <a:ext cx="3163921" cy="923330"/>
+            <a:off x="2755687" y="1931418"/>
+            <a:ext cx="3548294" cy="538609"/>
           </a:xfrm>
           <a:prstGeom prst="rect">
             <a:avLst/>
@@ -3016,15 +3278,15 @@
           <a:lstStyle/>
           <a:p>
             <a:r>
-              <a:rPr lang="en-US" dirty="0"/>
+              <a:rPr lang="en-US" sz="1100" b="1" dirty="0"/>
               <a:t>Gather and merge PM2.5 data</a:t>
             </a:r>
           </a:p>
           <a:p>
-            <a:endParaRPr lang="en-US" dirty="0"/>
-          </a:p>
-          <a:p>
-            <a:endParaRPr lang="en-US" dirty="0"/>
+            <a:endParaRPr lang="en-US" sz="900" dirty="0"/>
+          </a:p>
+          <a:p>
+            <a:endParaRPr lang="en-US" sz="900" dirty="0"/>
           </a:p>
         </p:txBody>
       </p:sp>
@@ -3042,8 +3304,8 @@
         </p:nvSpPr>
         <p:spPr>
           <a:xfrm>
-            <a:off x="20218014" y="993233"/>
-            <a:ext cx="6144986" cy="984885"/>
+            <a:off x="22264212" y="2038773"/>
+            <a:ext cx="3072493" cy="538609"/>
           </a:xfrm>
           <a:prstGeom prst="rect">
             <a:avLst/>
@@ -3062,36 +3324,36 @@
           <a:lstStyle/>
           <a:p>
             <a:r>
-              <a:rPr lang="en-US" sz="2200" b="1" dirty="0"/>
+              <a:rPr lang="en-US" sz="1100" b="1" dirty="0"/>
               <a:t>Identify county centroids</a:t>
             </a:r>
             <a:r>
-              <a:rPr lang="en-US" dirty="0"/>
+              <a:rPr lang="en-US" sz="900" dirty="0"/>
               <a:t> (locations of interest)</a:t>
             </a:r>
           </a:p>
           <a:p>
-            <a:pPr marL="342900" indent="-342900">
+            <a:pPr marL="171450" indent="-171450">
               <a:buFont typeface="+mj-lt"/>
               <a:buAutoNum type="arabicPeriod"/>
             </a:pPr>
             <a:r>
-              <a:rPr lang="en-US" dirty="0" err="1"/>
+              <a:rPr lang="en-US" sz="900" dirty="0" err="1"/>
               <a:t>CountyCentroid_CreateLatLonDateFiles.R</a:t>
             </a:r>
-            <a:endParaRPr lang="en-US" dirty="0"/>
-          </a:p>
-          <a:p>
-            <a:pPr marL="342900" indent="-342900">
+            <a:endParaRPr lang="en-US" sz="900" dirty="0"/>
+          </a:p>
+          <a:p>
+            <a:pPr marL="171450" indent="-171450">
               <a:buFont typeface="+mj-lt"/>
               <a:buAutoNum type="arabicPeriod"/>
             </a:pPr>
             <a:r>
-              <a:rPr lang="en-US" dirty="0" err="1"/>
+              <a:rPr lang="en-US" sz="900" dirty="0" err="1"/>
               <a:t>CountyCentroid_PlotLocations.R</a:t>
             </a:r>
             <a:r>
-              <a:rPr lang="en-US" dirty="0"/>
+              <a:rPr lang="en-US" sz="900" dirty="0"/>
               <a:t> (optional)</a:t>
             </a:r>
           </a:p>
@@ -3111,8 +3373,8 @@
         </p:nvSpPr>
         <p:spPr>
           <a:xfrm>
-            <a:off x="13997637" y="892262"/>
-            <a:ext cx="4474029" cy="984885"/>
+            <a:off x="15239177" y="1956809"/>
+            <a:ext cx="2237015" cy="538609"/>
           </a:xfrm>
           <a:prstGeom prst="rect">
             <a:avLst/>
@@ -3131,15 +3393,15 @@
           <a:lstStyle/>
           <a:p>
             <a:r>
-              <a:rPr lang="en-US" sz="2200" b="1" dirty="0"/>
+              <a:rPr lang="en-US" sz="1100" b="1" dirty="0"/>
               <a:t>Download and Process MAIAC data</a:t>
             </a:r>
           </a:p>
           <a:p>
-            <a:endParaRPr lang="en-US" dirty="0"/>
-          </a:p>
-          <a:p>
-            <a:endParaRPr lang="en-US" dirty="0"/>
+            <a:endParaRPr lang="en-US" sz="900" dirty="0"/>
+          </a:p>
+          <a:p>
+            <a:endParaRPr lang="en-US" sz="900" dirty="0"/>
           </a:p>
         </p:txBody>
       </p:sp>
@@ -3157,8 +3419,8 @@
         </p:nvSpPr>
         <p:spPr>
           <a:xfrm>
-            <a:off x="7973091" y="3609960"/>
-            <a:ext cx="5339443" cy="984885"/>
+            <a:off x="11914932" y="4658088"/>
+            <a:ext cx="2669722" cy="538609"/>
           </a:xfrm>
           <a:prstGeom prst="rect">
             <a:avLst/>
@@ -3177,15 +3439,15 @@
           <a:lstStyle/>
           <a:p>
             <a:r>
-              <a:rPr lang="en-US" sz="2200" b="1" dirty="0"/>
+              <a:rPr lang="en-US" sz="1100" b="1" dirty="0"/>
               <a:t>Extract predictors to observation locations</a:t>
             </a:r>
           </a:p>
           <a:p>
-            <a:endParaRPr lang="en-US" dirty="0"/>
-          </a:p>
-          <a:p>
-            <a:endParaRPr lang="en-US" dirty="0"/>
+            <a:endParaRPr lang="en-US" sz="900" dirty="0"/>
+          </a:p>
+          <a:p>
+            <a:endParaRPr lang="en-US" sz="900" dirty="0"/>
           </a:p>
         </p:txBody>
       </p:sp>
@@ -3203,8 +3465,8 @@
         </p:nvSpPr>
         <p:spPr>
           <a:xfrm>
-            <a:off x="19697700" y="3609959"/>
-            <a:ext cx="5339443" cy="984885"/>
+            <a:off x="18296196" y="4658087"/>
+            <a:ext cx="2669722" cy="538609"/>
           </a:xfrm>
           <a:prstGeom prst="rect">
             <a:avLst/>
@@ -3223,15 +3485,15 @@
           <a:lstStyle/>
           <a:p>
             <a:r>
-              <a:rPr lang="en-US" sz="2200" b="1" dirty="0"/>
+              <a:rPr lang="en-US" sz="1100" b="1" dirty="0"/>
               <a:t>Extract predictors to locations of interest</a:t>
             </a:r>
           </a:p>
           <a:p>
-            <a:endParaRPr lang="en-US" dirty="0"/>
-          </a:p>
-          <a:p>
-            <a:endParaRPr lang="en-US" dirty="0"/>
+            <a:endParaRPr lang="en-US" sz="900" dirty="0"/>
+          </a:p>
+          <a:p>
+            <a:endParaRPr lang="en-US" sz="900" dirty="0"/>
           </a:p>
         </p:txBody>
       </p:sp>
@@ -3249,8 +3511,8 @@
         </p:nvSpPr>
         <p:spPr>
           <a:xfrm>
-            <a:off x="972766" y="915717"/>
-            <a:ext cx="953312" cy="1015663"/>
+            <a:off x="1207146" y="2069917"/>
+            <a:ext cx="476656" cy="553998"/>
           </a:xfrm>
           <a:prstGeom prst="rect">
             <a:avLst/>
@@ -3264,7 +3526,7 @@
           <a:lstStyle/>
           <a:p>
             <a:r>
-              <a:rPr lang="en-US" sz="6000" dirty="0"/>
+              <a:rPr lang="en-US" sz="3000" dirty="0"/>
               <a:t>1</a:t>
             </a:r>
           </a:p>
@@ -3284,8 +3546,8 @@
         </p:nvSpPr>
         <p:spPr>
           <a:xfrm>
-            <a:off x="972766" y="3609959"/>
-            <a:ext cx="953312" cy="1015663"/>
+            <a:off x="1205043" y="4742098"/>
+            <a:ext cx="476656" cy="553998"/>
           </a:xfrm>
           <a:prstGeom prst="rect">
             <a:avLst/>
@@ -3299,7 +3561,7 @@
           <a:lstStyle/>
           <a:p>
             <a:r>
-              <a:rPr lang="en-US" sz="6000" dirty="0"/>
+              <a:rPr lang="en-US" sz="3000" dirty="0"/>
               <a:t>2</a:t>
             </a:r>
           </a:p>
@@ -3319,8 +3581,8 @@
         </p:nvSpPr>
         <p:spPr>
           <a:xfrm>
-            <a:off x="1031133" y="6304201"/>
-            <a:ext cx="953312" cy="1015663"/>
+            <a:off x="1239162" y="7414279"/>
+            <a:ext cx="476656" cy="553998"/>
           </a:xfrm>
           <a:prstGeom prst="rect">
             <a:avLst/>
@@ -3334,7 +3596,7 @@
           <a:lstStyle/>
           <a:p>
             <a:r>
-              <a:rPr lang="en-US" sz="6000" dirty="0"/>
+              <a:rPr lang="en-US" sz="3000" dirty="0"/>
               <a:t>3</a:t>
             </a:r>
           </a:p>
@@ -3354,8 +3616,8 @@
         </p:nvSpPr>
         <p:spPr>
           <a:xfrm>
-            <a:off x="19697699" y="6334979"/>
-            <a:ext cx="7987220" cy="1538883"/>
+            <a:off x="18078451" y="7419021"/>
+            <a:ext cx="3993610" cy="815608"/>
           </a:xfrm>
           <a:prstGeom prst="rect">
             <a:avLst/>
@@ -3374,47 +3636,47 @@
           <a:lstStyle/>
           <a:p>
             <a:r>
-              <a:rPr lang="en-US" sz="2200" b="1" dirty="0"/>
+              <a:rPr lang="en-US" sz="1100" b="1" dirty="0"/>
               <a:t>Merge predictors to locations of interest</a:t>
             </a:r>
           </a:p>
           <a:p>
-            <a:pPr marL="342900" indent="-342900">
+            <a:pPr marL="171450" indent="-171450">
               <a:buFont typeface="+mj-lt"/>
               <a:buAutoNum type="arabicPeriod"/>
             </a:pPr>
             <a:r>
-              <a:rPr lang="en-US" dirty="0" err="1"/>
+              <a:rPr lang="en-US" sz="900" dirty="0" err="1"/>
               <a:t>Merge_predictors_to_points_of_interest.R</a:t>
             </a:r>
-            <a:endParaRPr lang="en-US" dirty="0"/>
-          </a:p>
-          <a:p>
-            <a:pPr marL="800100" lvl="1" indent="-342900">
+            <a:endParaRPr lang="en-US" sz="900" dirty="0"/>
+          </a:p>
+          <a:p>
+            <a:pPr marL="400050" lvl="1" indent="-171450">
               <a:buFont typeface="+mj-lt"/>
               <a:buAutoNum type="arabicPeriod"/>
             </a:pPr>
             <a:r>
-              <a:rPr lang="en-US" dirty="0"/>
+              <a:rPr lang="en-US" sz="900" dirty="0"/>
               <a:t>Merge_predictors_to_points_of_interest_parallel_wrapper_function.R</a:t>
             </a:r>
           </a:p>
           <a:p>
-            <a:pPr marL="342900" indent="-342900">
+            <a:pPr marL="171450" indent="-171450">
               <a:buFont typeface="+mj-lt"/>
               <a:buAutoNum type="arabicPeriod"/>
             </a:pPr>
             <a:r>
-              <a:rPr lang="en-US" dirty="0" err="1"/>
+              <a:rPr lang="en-US" sz="900" dirty="0" err="1"/>
               <a:t>Plot_Predictor_Inputs.R</a:t>
             </a:r>
             <a:r>
-              <a:rPr lang="en-US" dirty="0"/>
+              <a:rPr lang="en-US" sz="900" dirty="0"/>
               <a:t> (optional)</a:t>
             </a:r>
           </a:p>
           <a:p>
-            <a:endParaRPr lang="en-US" dirty="0"/>
+            <a:endParaRPr lang="en-US" sz="900" dirty="0"/>
           </a:p>
         </p:txBody>
       </p:sp>
@@ -3432,8 +3694,8 @@
         </p:nvSpPr>
         <p:spPr>
           <a:xfrm>
-            <a:off x="26557205" y="914905"/>
-            <a:ext cx="6144986" cy="1323439"/>
+            <a:off x="26555723" y="1954135"/>
+            <a:ext cx="3072493" cy="707886"/>
           </a:xfrm>
           <a:prstGeom prst="rect">
             <a:avLst/>
@@ -3452,46 +3714,202 @@
           <a:lstStyle/>
           <a:p>
             <a:r>
-              <a:rPr lang="en-US" sz="2200" b="1" dirty="0"/>
+              <a:rPr lang="en-US" sz="1100" b="1" dirty="0"/>
               <a:t>Identify population-weighted county centroids </a:t>
             </a:r>
             <a:r>
-              <a:rPr lang="en-US" sz="2200" dirty="0"/>
+              <a:rPr lang="en-US" sz="1100" dirty="0"/>
               <a:t>(locations of </a:t>
             </a:r>
             <a:r>
-              <a:rPr lang="en-US" sz="2200" dirty="0" err="1"/>
+              <a:rPr lang="en-US" sz="1100" dirty="0" err="1"/>
               <a:t>interst</a:t>
             </a:r>
             <a:r>
-              <a:rPr lang="en-US" sz="2200" dirty="0"/>
+              <a:rPr lang="en-US" sz="1100" dirty="0"/>
               <a:t>)</a:t>
             </a:r>
             <a:r>
-              <a:rPr lang="en-US" dirty="0"/>
+              <a:rPr lang="en-US" sz="900" dirty="0"/>
               <a:t> </a:t>
             </a:r>
           </a:p>
           <a:p>
-            <a:pPr marL="342900" indent="-342900">
+            <a:pPr marL="171450" indent="-171450">
               <a:buFont typeface="+mj-lt"/>
               <a:buAutoNum type="arabicPeriod"/>
             </a:pPr>
             <a:r>
-              <a:rPr lang="en-US" dirty="0" err="1"/>
+              <a:rPr lang="en-US" sz="900" dirty="0" err="1"/>
               <a:t>Extract_county_pop_centroids.R</a:t>
             </a:r>
             <a:r>
-              <a:rPr lang="en-US" dirty="0"/>
+              <a:rPr lang="en-US" sz="900" dirty="0"/>
               <a:t> </a:t>
             </a:r>
             <a:r>
-              <a:rPr lang="en-US" b="1" dirty="0">
+              <a:rPr lang="en-US" sz="900" b="1" dirty="0">
                 <a:solidFill>
                   <a:srgbClr val="FF0000"/>
                 </a:solidFill>
               </a:rPr>
               <a:t>*To Do: update to similar process as geometric county centroids</a:t>
+            </a:r>
+          </a:p>
+        </p:txBody>
+      </p:sp>
+      <p:sp>
+        <p:nvSpPr>
+          <p:cNvPr id="12" name="TextBox 11">
+            <a:extLst>
+              <a:ext uri="{FF2B5EF4-FFF2-40B4-BE49-F238E27FC236}">
+                <a16:creationId xmlns:a16="http://schemas.microsoft.com/office/drawing/2014/main" id="{D0E301C6-CE84-4F19-A8E2-C1E7DD255638}"/>
+              </a:ext>
+            </a:extLst>
+          </p:cNvPr>
+          <p:cNvSpPr txBox="1"/>
+          <p:nvPr/>
+        </p:nvSpPr>
+        <p:spPr>
+          <a:xfrm>
+            <a:off x="1239162" y="10086460"/>
+            <a:ext cx="476656" cy="553998"/>
+          </a:xfrm>
+          <a:prstGeom prst="rect">
+            <a:avLst/>
+          </a:prstGeom>
+          <a:noFill/>
+        </p:spPr>
+        <p:txBody>
+          <a:bodyPr wrap="square" rtlCol="0">
+            <a:spAutoFit/>
+          </a:bodyPr>
+          <a:lstStyle/>
+          <a:p>
+            <a:r>
+              <a:rPr lang="en-US" sz="3000" dirty="0"/>
+              <a:t>4</a:t>
+            </a:r>
+          </a:p>
+        </p:txBody>
+      </p:sp>
+      <p:sp>
+        <p:nvSpPr>
+          <p:cNvPr id="19" name="TextBox 18">
+            <a:extLst>
+              <a:ext uri="{FF2B5EF4-FFF2-40B4-BE49-F238E27FC236}">
+                <a16:creationId xmlns:a16="http://schemas.microsoft.com/office/drawing/2014/main" id="{F040D319-1355-4D4A-A104-A984B5152D1E}"/>
+              </a:ext>
+            </a:extLst>
+          </p:cNvPr>
+          <p:cNvSpPr txBox="1"/>
+          <p:nvPr/>
+        </p:nvSpPr>
+        <p:spPr>
+          <a:xfrm>
+            <a:off x="14462395" y="10163404"/>
+            <a:ext cx="3993610" cy="400110"/>
+          </a:xfrm>
+          <a:prstGeom prst="rect">
+            <a:avLst/>
+          </a:prstGeom>
+          <a:noFill/>
+          <a:ln>
+            <a:solidFill>
+              <a:schemeClr val="tx1"/>
+            </a:solidFill>
+          </a:ln>
+        </p:spPr>
+        <p:txBody>
+          <a:bodyPr wrap="square" rtlCol="0">
+            <a:spAutoFit/>
+          </a:bodyPr>
+          <a:lstStyle/>
+          <a:p>
+            <a:r>
+              <a:rPr lang="en-US" sz="1100" b="1" dirty="0"/>
+              <a:t>ML training</a:t>
+            </a:r>
+          </a:p>
+          <a:p>
+            <a:endParaRPr lang="en-US" sz="900" dirty="0"/>
+          </a:p>
+        </p:txBody>
+      </p:sp>
+      <p:sp>
+        <p:nvSpPr>
+          <p:cNvPr id="20" name="TextBox 19">
+            <a:extLst>
+              <a:ext uri="{FF2B5EF4-FFF2-40B4-BE49-F238E27FC236}">
+                <a16:creationId xmlns:a16="http://schemas.microsoft.com/office/drawing/2014/main" id="{509142B0-DFCE-4978-AA43-AD36641C88C5}"/>
+              </a:ext>
+            </a:extLst>
+          </p:cNvPr>
+          <p:cNvSpPr txBox="1"/>
+          <p:nvPr/>
+        </p:nvSpPr>
+        <p:spPr>
+          <a:xfrm>
+            <a:off x="14462395" y="13025051"/>
+            <a:ext cx="3993610" cy="400110"/>
+          </a:xfrm>
+          <a:prstGeom prst="rect">
+            <a:avLst/>
+          </a:prstGeom>
+          <a:noFill/>
+          <a:ln>
+            <a:solidFill>
+              <a:schemeClr val="tx1"/>
+            </a:solidFill>
+          </a:ln>
+        </p:spPr>
+        <p:txBody>
+          <a:bodyPr wrap="square" rtlCol="0">
+            <a:spAutoFit/>
+          </a:bodyPr>
+          <a:lstStyle/>
+          <a:p>
+            <a:r>
+              <a:rPr lang="en-US" sz="1100" b="1" dirty="0"/>
+              <a:t>ML Predictions to points of interest</a:t>
+            </a:r>
+          </a:p>
+          <a:p>
+            <a:endParaRPr lang="en-US" sz="900" dirty="0"/>
+          </a:p>
+        </p:txBody>
+      </p:sp>
+      <p:sp>
+        <p:nvSpPr>
+          <p:cNvPr id="21" name="TextBox 20">
+            <a:extLst>
+              <a:ext uri="{FF2B5EF4-FFF2-40B4-BE49-F238E27FC236}">
+                <a16:creationId xmlns:a16="http://schemas.microsoft.com/office/drawing/2014/main" id="{844B27F3-9905-402D-A25D-444DDF6C376F}"/>
+              </a:ext>
+            </a:extLst>
+          </p:cNvPr>
+          <p:cNvSpPr txBox="1"/>
+          <p:nvPr/>
+        </p:nvSpPr>
+        <p:spPr>
+          <a:xfrm>
+            <a:off x="1205043" y="12758641"/>
+            <a:ext cx="476656" cy="553998"/>
+          </a:xfrm>
+          <a:prstGeom prst="rect">
+            <a:avLst/>
+          </a:prstGeom>
+          <a:noFill/>
+        </p:spPr>
+        <p:txBody>
+          <a:bodyPr wrap="square" rtlCol="0">
+            <a:spAutoFit/>
+          </a:bodyPr>
+          <a:lstStyle/>
+          <a:p>
+            <a:r>
+              <a:rPr lang="en-US" sz="3000" dirty="0"/>
+              <a:t>5</a:t>
             </a:r>
           </a:p>
         </p:txBody>

--- a/LaTeX_documentation/WorkFlowSchematic.pptx
+++ b/LaTeX_documentation/WorkFlowSchematic.pptx
@@ -3259,7 +3259,7 @@
         <p:spPr>
           <a:xfrm>
             <a:off x="2755687" y="1931418"/>
-            <a:ext cx="3548294" cy="538609"/>
+            <a:ext cx="3548294" cy="677108"/>
           </a:xfrm>
           <a:prstGeom prst="rect">
             <a:avLst/>
@@ -3286,7 +3286,28 @@
             <a:endParaRPr lang="en-US" sz="900" dirty="0"/>
           </a:p>
           <a:p>
-            <a:endParaRPr lang="en-US" sz="900" dirty="0"/>
+            <a:pPr marL="228600" indent="-228600">
+              <a:buFont typeface="+mj-lt"/>
+              <a:buAutoNum type="arabicPeriod"/>
+            </a:pPr>
+            <a:r>
+              <a:rPr lang="en-US" sz="900" dirty="0"/>
+              <a:t>Process_PM25_data_step1.R</a:t>
+            </a:r>
+          </a:p>
+          <a:p>
+            <a:pPr marL="228600" indent="-228600">
+              <a:buFont typeface="+mj-lt"/>
+              <a:buAutoNum type="arabicPeriod"/>
+            </a:pPr>
+            <a:r>
+              <a:rPr lang="en-US" sz="900" dirty="0">
+                <a:solidFill>
+                  <a:srgbClr val="FF0000"/>
+                </a:solidFill>
+              </a:rPr>
+              <a:t>Process_PM25_data_step2.$</a:t>
+            </a:r>
           </a:p>
         </p:txBody>
       </p:sp>

--- a/LaTeX_documentation/WorkFlowSchematic.pptx
+++ b/LaTeX_documentation/WorkFlowSchematic.pptx
@@ -254,7 +254,7 @@
           <a:p>
             <a:fld id="{D02FEDC3-3BB2-49A6-BF32-B87A34325CFE}" type="datetimeFigureOut">
               <a:rPr lang="en-US" smtClean="0"/>
-              <a:t>12/17/2018</a:t>
+              <a:t>12/18/2018</a:t>
             </a:fld>
             <a:endParaRPr lang="en-US"/>
           </a:p>
@@ -424,7 +424,7 @@
           <a:p>
             <a:fld id="{D02FEDC3-3BB2-49A6-BF32-B87A34325CFE}" type="datetimeFigureOut">
               <a:rPr lang="en-US" smtClean="0"/>
-              <a:t>12/17/2018</a:t>
+              <a:t>12/18/2018</a:t>
             </a:fld>
             <a:endParaRPr lang="en-US"/>
           </a:p>
@@ -604,7 +604,7 @@
           <a:p>
             <a:fld id="{D02FEDC3-3BB2-49A6-BF32-B87A34325CFE}" type="datetimeFigureOut">
               <a:rPr lang="en-US" smtClean="0"/>
-              <a:t>12/17/2018</a:t>
+              <a:t>12/18/2018</a:t>
             </a:fld>
             <a:endParaRPr lang="en-US"/>
           </a:p>
@@ -774,7 +774,7 @@
           <a:p>
             <a:fld id="{D02FEDC3-3BB2-49A6-BF32-B87A34325CFE}" type="datetimeFigureOut">
               <a:rPr lang="en-US" smtClean="0"/>
-              <a:t>12/17/2018</a:t>
+              <a:t>12/18/2018</a:t>
             </a:fld>
             <a:endParaRPr lang="en-US"/>
           </a:p>
@@ -1020,7 +1020,7 @@
           <a:p>
             <a:fld id="{D02FEDC3-3BB2-49A6-BF32-B87A34325CFE}" type="datetimeFigureOut">
               <a:rPr lang="en-US" smtClean="0"/>
-              <a:t>12/17/2018</a:t>
+              <a:t>12/18/2018</a:t>
             </a:fld>
             <a:endParaRPr lang="en-US"/>
           </a:p>
@@ -1252,7 +1252,7 @@
           <a:p>
             <a:fld id="{D02FEDC3-3BB2-49A6-BF32-B87A34325CFE}" type="datetimeFigureOut">
               <a:rPr lang="en-US" smtClean="0"/>
-              <a:t>12/17/2018</a:t>
+              <a:t>12/18/2018</a:t>
             </a:fld>
             <a:endParaRPr lang="en-US"/>
           </a:p>
@@ -1619,7 +1619,7 @@
           <a:p>
             <a:fld id="{D02FEDC3-3BB2-49A6-BF32-B87A34325CFE}" type="datetimeFigureOut">
               <a:rPr lang="en-US" smtClean="0"/>
-              <a:t>12/17/2018</a:t>
+              <a:t>12/18/2018</a:t>
             </a:fld>
             <a:endParaRPr lang="en-US"/>
           </a:p>
@@ -1737,7 +1737,7 @@
           <a:p>
             <a:fld id="{D02FEDC3-3BB2-49A6-BF32-B87A34325CFE}" type="datetimeFigureOut">
               <a:rPr lang="en-US" smtClean="0"/>
-              <a:t>12/17/2018</a:t>
+              <a:t>12/18/2018</a:t>
             </a:fld>
             <a:endParaRPr lang="en-US"/>
           </a:p>
@@ -1832,7 +1832,7 @@
           <a:p>
             <a:fld id="{D02FEDC3-3BB2-49A6-BF32-B87A34325CFE}" type="datetimeFigureOut">
               <a:rPr lang="en-US" smtClean="0"/>
-              <a:t>12/17/2018</a:t>
+              <a:t>12/18/2018</a:t>
             </a:fld>
             <a:endParaRPr lang="en-US"/>
           </a:p>
@@ -2109,7 +2109,7 @@
           <a:p>
             <a:fld id="{D02FEDC3-3BB2-49A6-BF32-B87A34325CFE}" type="datetimeFigureOut">
               <a:rPr lang="en-US" smtClean="0"/>
-              <a:t>12/17/2018</a:t>
+              <a:t>12/18/2018</a:t>
             </a:fld>
             <a:endParaRPr lang="en-US"/>
           </a:p>
@@ -2366,7 +2366,7 @@
           <a:p>
             <a:fld id="{D02FEDC3-3BB2-49A6-BF32-B87A34325CFE}" type="datetimeFigureOut">
               <a:rPr lang="en-US" smtClean="0"/>
-              <a:t>12/17/2018</a:t>
+              <a:t>12/18/2018</a:t>
             </a:fld>
             <a:endParaRPr lang="en-US"/>
           </a:p>
@@ -2579,7 +2579,7 @@
           <a:p>
             <a:fld id="{D02FEDC3-3BB2-49A6-BF32-B87A34325CFE}" type="datetimeFigureOut">
               <a:rPr lang="en-US" smtClean="0"/>
-              <a:t>12/17/2018</a:t>
+              <a:t>12/18/2018</a:t>
             </a:fld>
             <a:endParaRPr lang="en-US"/>
           </a:p>
@@ -3136,7 +3136,10 @@
           <a:lstStyle/>
           <a:p>
             <a:pPr algn="ctr"/>
-            <a:endParaRPr lang="en-US"/>
+            <a:r>
+              <a:rPr lang="en-US" dirty="0"/>
+              <a:t> </a:t>
+            </a:r>
           </a:p>
         </p:txBody>
       </p:sp>
@@ -3259,7 +3262,7 @@
         <p:spPr>
           <a:xfrm>
             <a:off x="2755687" y="1931418"/>
-            <a:ext cx="3548294" cy="677108"/>
+            <a:ext cx="3548294" cy="1785104"/>
           </a:xfrm>
           <a:prstGeom prst="rect">
             <a:avLst/>
@@ -3278,11 +3281,9 @@
           <a:lstStyle/>
           <a:p>
             <a:r>
-              <a:rPr lang="en-US" sz="1100" b="1" dirty="0"/>
+              <a:rPr lang="en-US" sz="1400" b="1" dirty="0"/>
               <a:t>Gather and merge PM2.5 data</a:t>
             </a:r>
-          </a:p>
-          <a:p>
             <a:endParaRPr lang="en-US" sz="900" dirty="0"/>
           </a:p>
           <a:p>
@@ -3291,7 +3292,7 @@
               <a:buAutoNum type="arabicPeriod"/>
             </a:pPr>
             <a:r>
-              <a:rPr lang="en-US" sz="900" dirty="0"/>
+              <a:rPr lang="en-US" sz="1200" dirty="0"/>
               <a:t>Process_PM25_data_step1.R</a:t>
             </a:r>
           </a:p>
@@ -3301,12 +3302,96 @@
               <a:buAutoNum type="arabicPeriod"/>
             </a:pPr>
             <a:r>
-              <a:rPr lang="en-US" sz="900" dirty="0">
+              <a:rPr lang="en-US" sz="1200" dirty="0"/>
+              <a:t>Process_PM25_data_step2.R </a:t>
+            </a:r>
+            <a:r>
+              <a:rPr lang="en-US" sz="1200" dirty="0">
                 <a:solidFill>
                   <a:srgbClr val="FF0000"/>
                 </a:solidFill>
               </a:rPr>
-              <a:t>Process_PM25_data_step2.$</a:t>
+              <a:t>*</a:t>
+            </a:r>
+            <a:r>
+              <a:rPr lang="en-US" sz="1200" dirty="0" err="1">
+                <a:solidFill>
+                  <a:srgbClr val="FF0000"/>
+                </a:solidFill>
+              </a:rPr>
+              <a:t>ToDo</a:t>
+            </a:r>
+            <a:r>
+              <a:rPr lang="en-US" sz="1200" dirty="0">
+                <a:solidFill>
+                  <a:srgbClr val="FF0000"/>
+                </a:solidFill>
+              </a:rPr>
+              <a:t> – handful of quality cuts to add/decide about</a:t>
+            </a:r>
+          </a:p>
+          <a:p>
+            <a:pPr marL="228600" indent="-228600">
+              <a:buFont typeface="+mj-lt"/>
+              <a:buAutoNum type="arabicPeriod"/>
+            </a:pPr>
+            <a:r>
+              <a:rPr lang="en-US" sz="1200" dirty="0"/>
+              <a:t>Process_PM25_data_step3.R</a:t>
+            </a:r>
+          </a:p>
+          <a:p>
+            <a:pPr marL="228600" indent="-228600">
+              <a:buFont typeface="+mj-lt"/>
+              <a:buAutoNum type="arabicPeriod"/>
+            </a:pPr>
+            <a:r>
+              <a:rPr lang="en-US" sz="1200" dirty="0"/>
+              <a:t>Process_PM25_data_step4.R</a:t>
+            </a:r>
+          </a:p>
+          <a:p>
+            <a:pPr marL="228600" indent="-228600">
+              <a:buFont typeface="+mj-lt"/>
+              <a:buAutoNum type="arabicPeriod"/>
+            </a:pPr>
+            <a:r>
+              <a:rPr lang="en-US" sz="1200" dirty="0"/>
+              <a:t>Process_PM25_data_step5.R </a:t>
+            </a:r>
+            <a:r>
+              <a:rPr lang="en-US" sz="1200" dirty="0">
+                <a:solidFill>
+                  <a:srgbClr val="FF0000"/>
+                </a:solidFill>
+              </a:rPr>
+              <a:t>* </a:t>
+            </a:r>
+            <a:r>
+              <a:rPr lang="en-US" sz="1200" dirty="0" err="1">
+                <a:solidFill>
+                  <a:srgbClr val="FF0000"/>
+                </a:solidFill>
+              </a:rPr>
+              <a:t>ToDo</a:t>
+            </a:r>
+            <a:r>
+              <a:rPr lang="en-US" sz="1200" dirty="0">
+                <a:solidFill>
+                  <a:srgbClr val="FF0000"/>
+                </a:solidFill>
+              </a:rPr>
+              <a:t> – create co-located version of data</a:t>
+            </a:r>
+          </a:p>
+          <a:p>
+            <a:pPr marL="228600" indent="-228600">
+              <a:buFont typeface="+mj-lt"/>
+              <a:buAutoNum type="arabicPeriod"/>
+            </a:pPr>
+            <a:r>
+              <a:rPr lang="en-US" sz="1200" dirty="0"/>
+              <a:t>Process_PM25_data_step6.R (optional)</a:t>
             </a:r>
           </a:p>
         </p:txBody>
@@ -3326,7 +3411,7 @@
         <p:spPr>
           <a:xfrm>
             <a:off x="22264212" y="2038773"/>
-            <a:ext cx="3072493" cy="538609"/>
+            <a:ext cx="3704748" cy="677108"/>
           </a:xfrm>
           <a:prstGeom prst="rect">
             <a:avLst/>
@@ -3345,12 +3430,16 @@
           <a:lstStyle/>
           <a:p>
             <a:r>
-              <a:rPr lang="en-US" sz="1100" b="1" dirty="0"/>
+              <a:rPr lang="en-US" sz="1400" b="1" dirty="0"/>
               <a:t>Identify county centroids</a:t>
             </a:r>
             <a:r>
-              <a:rPr lang="en-US" sz="900" dirty="0"/>
-              <a:t> (locations of interest)</a:t>
+              <a:rPr lang="en-US" sz="1400" dirty="0"/>
+              <a:t> </a:t>
+            </a:r>
+            <a:r>
+              <a:rPr lang="en-US" sz="1200" dirty="0"/>
+              <a:t>(locations of interest)</a:t>
             </a:r>
           </a:p>
           <a:p>
@@ -3359,10 +3448,10 @@
               <a:buAutoNum type="arabicPeriod"/>
             </a:pPr>
             <a:r>
-              <a:rPr lang="en-US" sz="900" dirty="0" err="1"/>
+              <a:rPr lang="en-US" sz="1200" dirty="0" err="1"/>
               <a:t>CountyCentroid_CreateLatLonDateFiles.R</a:t>
             </a:r>
-            <a:endParaRPr lang="en-US" sz="900" dirty="0"/>
+            <a:endParaRPr lang="en-US" sz="1200" dirty="0"/>
           </a:p>
           <a:p>
             <a:pPr marL="171450" indent="-171450">
@@ -3370,11 +3459,11 @@
               <a:buAutoNum type="arabicPeriod"/>
             </a:pPr>
             <a:r>
-              <a:rPr lang="en-US" sz="900" dirty="0" err="1"/>
+              <a:rPr lang="en-US" sz="1200" dirty="0" err="1"/>
               <a:t>CountyCentroid_PlotLocations.R</a:t>
             </a:r>
             <a:r>
-              <a:rPr lang="en-US" sz="900" dirty="0"/>
+              <a:rPr lang="en-US" sz="1200" dirty="0"/>
               <a:t> (optional)</a:t>
             </a:r>
           </a:p>
@@ -3395,7 +3484,7 @@
         <p:spPr>
           <a:xfrm>
             <a:off x="15239177" y="1956809"/>
-            <a:ext cx="2237015" cy="538609"/>
+            <a:ext cx="2839274" cy="584775"/>
           </a:xfrm>
           <a:prstGeom prst="rect">
             <a:avLst/>
@@ -3414,7 +3503,7 @@
           <a:lstStyle/>
           <a:p>
             <a:r>
-              <a:rPr lang="en-US" sz="1100" b="1" dirty="0"/>
+              <a:rPr lang="en-US" sz="1400" b="1" dirty="0"/>
               <a:t>Download and Process MAIAC data</a:t>
             </a:r>
           </a:p>
@@ -3441,7 +3530,7 @@
         <p:spPr>
           <a:xfrm>
             <a:off x="11914932" y="4658088"/>
-            <a:ext cx="2669722" cy="538609"/>
+            <a:ext cx="3931082" cy="584775"/>
           </a:xfrm>
           <a:prstGeom prst="rect">
             <a:avLst/>
@@ -3460,7 +3549,7 @@
           <a:lstStyle/>
           <a:p>
             <a:r>
-              <a:rPr lang="en-US" sz="1100" b="1" dirty="0"/>
+              <a:rPr lang="en-US" sz="1400" b="1" dirty="0"/>
               <a:t>Extract predictors to observation locations</a:t>
             </a:r>
           </a:p>
@@ -3487,7 +3576,7 @@
         <p:spPr>
           <a:xfrm>
             <a:off x="18296196" y="4658087"/>
-            <a:ext cx="2669722" cy="538609"/>
+            <a:ext cx="4187286" cy="584775"/>
           </a:xfrm>
           <a:prstGeom prst="rect">
             <a:avLst/>
@@ -3506,7 +3595,7 @@
           <a:lstStyle/>
           <a:p>
             <a:r>
-              <a:rPr lang="en-US" sz="1100" b="1" dirty="0"/>
+              <a:rPr lang="en-US" sz="1400" b="1" dirty="0"/>
               <a:t>Extract predictors to locations of interest</a:t>
             </a:r>
           </a:p>
@@ -3638,7 +3727,7 @@
         <p:spPr>
           <a:xfrm>
             <a:off x="18078451" y="7419021"/>
-            <a:ext cx="3993610" cy="815608"/>
+            <a:ext cx="5190340" cy="1000274"/>
           </a:xfrm>
           <a:prstGeom prst="rect">
             <a:avLst/>
@@ -3657,7 +3746,7 @@
           <a:lstStyle/>
           <a:p>
             <a:r>
-              <a:rPr lang="en-US" sz="1100" b="1" dirty="0"/>
+              <a:rPr lang="en-US" sz="1400" b="1" dirty="0"/>
               <a:t>Merge predictors to locations of interest</a:t>
             </a:r>
           </a:p>
@@ -3667,10 +3756,10 @@
               <a:buAutoNum type="arabicPeriod"/>
             </a:pPr>
             <a:r>
-              <a:rPr lang="en-US" sz="900" dirty="0" err="1"/>
+              <a:rPr lang="en-US" sz="1200" dirty="0" err="1"/>
               <a:t>Merge_predictors_to_points_of_interest.R</a:t>
             </a:r>
-            <a:endParaRPr lang="en-US" sz="900" dirty="0"/>
+            <a:endParaRPr lang="en-US" sz="1200" dirty="0"/>
           </a:p>
           <a:p>
             <a:pPr marL="400050" lvl="1" indent="-171450">
@@ -3678,7 +3767,7 @@
               <a:buAutoNum type="arabicPeriod"/>
             </a:pPr>
             <a:r>
-              <a:rPr lang="en-US" sz="900" dirty="0"/>
+              <a:rPr lang="en-US" sz="1200" dirty="0"/>
               <a:t>Merge_predictors_to_points_of_interest_parallel_wrapper_function.R</a:t>
             </a:r>
           </a:p>
@@ -3688,11 +3777,11 @@
               <a:buAutoNum type="arabicPeriod"/>
             </a:pPr>
             <a:r>
-              <a:rPr lang="en-US" sz="900" dirty="0" err="1"/>
+              <a:rPr lang="en-US" sz="1200" dirty="0" err="1"/>
               <a:t>Plot_Predictor_Inputs.R</a:t>
             </a:r>
             <a:r>
-              <a:rPr lang="en-US" sz="900" dirty="0"/>
+              <a:rPr lang="en-US" sz="1200" dirty="0"/>
               <a:t> (optional)</a:t>
             </a:r>
           </a:p>
@@ -3715,8 +3804,8 @@
         </p:nvSpPr>
         <p:spPr>
           <a:xfrm>
-            <a:off x="26555723" y="1954135"/>
-            <a:ext cx="3072493" cy="707886"/>
+            <a:off x="26555722" y="1954135"/>
+            <a:ext cx="5155531" cy="677108"/>
           </a:xfrm>
           <a:prstGeom prst="rect">
             <a:avLst/>
@@ -3735,24 +3824,20 @@
           <a:lstStyle/>
           <a:p>
             <a:r>
-              <a:rPr lang="en-US" sz="1100" b="1" dirty="0"/>
+              <a:rPr lang="en-US" sz="1400" b="1" dirty="0"/>
               <a:t>Identify population-weighted county centroids </a:t>
             </a:r>
             <a:r>
-              <a:rPr lang="en-US" sz="1100" dirty="0"/>
+              <a:rPr lang="en-US" sz="1200" dirty="0"/>
               <a:t>(locations of </a:t>
             </a:r>
             <a:r>
-              <a:rPr lang="en-US" sz="1100" dirty="0" err="1"/>
+              <a:rPr lang="en-US" sz="1200" dirty="0" err="1"/>
               <a:t>interst</a:t>
             </a:r>
             <a:r>
-              <a:rPr lang="en-US" sz="1100" dirty="0"/>
-              <a:t>)</a:t>
-            </a:r>
-            <a:r>
-              <a:rPr lang="en-US" sz="900" dirty="0"/>
-              <a:t> </a:t>
+              <a:rPr lang="en-US" sz="1200" dirty="0"/>
+              <a:t>) </a:t>
             </a:r>
           </a:p>
           <a:p>
@@ -3761,15 +3846,15 @@
               <a:buAutoNum type="arabicPeriod"/>
             </a:pPr>
             <a:r>
-              <a:rPr lang="en-US" sz="900" dirty="0" err="1"/>
+              <a:rPr lang="en-US" sz="1200" dirty="0" err="1"/>
               <a:t>Extract_county_pop_centroids.R</a:t>
             </a:r>
             <a:r>
-              <a:rPr lang="en-US" sz="900" dirty="0"/>
+              <a:rPr lang="en-US" sz="1200" dirty="0"/>
               <a:t> </a:t>
             </a:r>
             <a:r>
-              <a:rPr lang="en-US" sz="900" b="1" dirty="0">
+              <a:rPr lang="en-US" sz="1200" b="1" dirty="0">
                 <a:solidFill>
                   <a:srgbClr val="FF0000"/>
                 </a:solidFill>
@@ -3931,6 +4016,66 @@
             <a:r>
               <a:rPr lang="en-US" sz="3000" dirty="0"/>
               <a:t>5</a:t>
+            </a:r>
+          </a:p>
+        </p:txBody>
+      </p:sp>
+      <p:sp>
+        <p:nvSpPr>
+          <p:cNvPr id="25" name="TextBox 24">
+            <a:extLst>
+              <a:ext uri="{FF2B5EF4-FFF2-40B4-BE49-F238E27FC236}">
+                <a16:creationId xmlns:a16="http://schemas.microsoft.com/office/drawing/2014/main" id="{1BF131E8-2E53-4E07-80AE-91E51B370933}"/>
+              </a:ext>
+            </a:extLst>
+          </p:cNvPr>
+          <p:cNvSpPr txBox="1"/>
+          <p:nvPr/>
+        </p:nvSpPr>
+        <p:spPr>
+          <a:xfrm>
+            <a:off x="10754286" y="7419021"/>
+            <a:ext cx="3993610" cy="677108"/>
+          </a:xfrm>
+          <a:prstGeom prst="rect">
+            <a:avLst/>
+          </a:prstGeom>
+          <a:noFill/>
+          <a:ln>
+            <a:solidFill>
+              <a:schemeClr val="tx1"/>
+            </a:solidFill>
+          </a:ln>
+        </p:spPr>
+        <p:txBody>
+          <a:bodyPr wrap="square" rtlCol="0">
+            <a:spAutoFit/>
+          </a:bodyPr>
+          <a:lstStyle/>
+          <a:p>
+            <a:r>
+              <a:rPr lang="en-US" sz="1400" b="1" dirty="0"/>
+              <a:t>Merge predictors to PM2.5 observations</a:t>
+            </a:r>
+          </a:p>
+          <a:p>
+            <a:pPr marL="228600" indent="-228600">
+              <a:buFont typeface="+mj-lt"/>
+              <a:buAutoNum type="arabicPeriod"/>
+            </a:pPr>
+            <a:r>
+              <a:rPr lang="en-US" sz="1200" dirty="0"/>
+              <a:t>ML_PM25_estimation_merge_predictors.R</a:t>
+            </a:r>
+          </a:p>
+          <a:p>
+            <a:pPr marL="228600" indent="-228600">
+              <a:buFont typeface="+mj-lt"/>
+              <a:buAutoNum type="arabicPeriod"/>
+            </a:pPr>
+            <a:r>
+              <a:rPr lang="en-US" sz="1200" dirty="0"/>
+              <a:t>ML_PM25_estimation_plot_predictors (optional)</a:t>
             </a:r>
           </a:p>
         </p:txBody>
